--- a/Slides/Module 12.1 Testing Effectful Code.pptx
+++ b/Slides/Module 12.1 Testing Effectful Code.pptx
@@ -377,297 +377,6 @@
 
 <file path=ppt/changesInfos/changesInfo1.xml><?xml version="1.0" encoding="utf-8"?>
 <pc:chgInfo xmlns:a="http://schemas.openxmlformats.org/drawingml/2006/main" xmlns:r="http://schemas.openxmlformats.org/officeDocument/2006/relationships" xmlns:ac="http://schemas.microsoft.com/office/drawing/2013/main/command" xmlns:pc="http://schemas.microsoft.com/office/powerpoint/2013/main/command">
-  <pc:docChgLst>
-    <pc:chgData name="Mitchell Wand" userId="de9b44c55c049659" providerId="LiveId" clId="{064DF8C5-6B1E-4FF3-80A6-02FC675447B9}"/>
-    <pc:docChg chg="undo custSel modSld">
-      <pc:chgData name="Mitchell Wand" userId="de9b44c55c049659" providerId="LiveId" clId="{064DF8C5-6B1E-4FF3-80A6-02FC675447B9}" dt="2023-09-24T14:27:47.802" v="40" actId="6549"/>
-      <pc:docMkLst>
-        <pc:docMk/>
-      </pc:docMkLst>
-      <pc:sldChg chg="modSp mod">
-        <pc:chgData name="Mitchell Wand" userId="de9b44c55c049659" providerId="LiveId" clId="{064DF8C5-6B1E-4FF3-80A6-02FC675447B9}" dt="2023-09-24T14:13:05.134" v="0" actId="20577"/>
-        <pc:sldMkLst>
-          <pc:docMk/>
-          <pc:sldMk cId="0" sldId="256"/>
-        </pc:sldMkLst>
-        <pc:spChg chg="mod">
-          <ac:chgData name="Mitchell Wand" userId="de9b44c55c049659" providerId="LiveId" clId="{064DF8C5-6B1E-4FF3-80A6-02FC675447B9}" dt="2023-09-24T14:13:05.134" v="0" actId="20577"/>
-          <ac:spMkLst>
-            <pc:docMk/>
-            <pc:sldMk cId="0" sldId="256"/>
-            <ac:spMk id="137" creationId="{00000000-0000-0000-0000-000000000000}"/>
-          </ac:spMkLst>
-        </pc:spChg>
-      </pc:sldChg>
-      <pc:sldChg chg="modSp mod">
-        <pc:chgData name="Mitchell Wand" userId="de9b44c55c049659" providerId="LiveId" clId="{064DF8C5-6B1E-4FF3-80A6-02FC675447B9}" dt="2023-09-24T14:27:47.802" v="40" actId="6549"/>
-        <pc:sldMkLst>
-          <pc:docMk/>
-          <pc:sldMk cId="828842526" sldId="293"/>
-        </pc:sldMkLst>
-        <pc:spChg chg="mod">
-          <ac:chgData name="Mitchell Wand" userId="de9b44c55c049659" providerId="LiveId" clId="{064DF8C5-6B1E-4FF3-80A6-02FC675447B9}" dt="2023-09-24T14:27:47.802" v="40" actId="6549"/>
-          <ac:spMkLst>
-            <pc:docMk/>
-            <pc:sldMk cId="828842526" sldId="293"/>
-            <ac:spMk id="6" creationId="{93AD0266-913C-2302-C040-CD4D37DCAA24}"/>
-          </ac:spMkLst>
-        </pc:spChg>
-      </pc:sldChg>
-      <pc:sldChg chg="modNotesTx">
-        <pc:chgData name="Mitchell Wand" userId="de9b44c55c049659" providerId="LiveId" clId="{064DF8C5-6B1E-4FF3-80A6-02FC675447B9}" dt="2023-09-24T14:14:40.870" v="13" actId="20577"/>
-        <pc:sldMkLst>
-          <pc:docMk/>
-          <pc:sldMk cId="482260618" sldId="547"/>
-        </pc:sldMkLst>
-      </pc:sldChg>
-      <pc:sldChg chg="delSp modSp mod modClrScheme chgLayout modNotesTx">
-        <pc:chgData name="Mitchell Wand" userId="de9b44c55c049659" providerId="LiveId" clId="{064DF8C5-6B1E-4FF3-80A6-02FC675447B9}" dt="2023-09-24T14:19:21.180" v="32" actId="700"/>
-        <pc:sldMkLst>
-          <pc:docMk/>
-          <pc:sldMk cId="2712464891" sldId="555"/>
-        </pc:sldMkLst>
-        <pc:spChg chg="mod ord">
-          <ac:chgData name="Mitchell Wand" userId="de9b44c55c049659" providerId="LiveId" clId="{064DF8C5-6B1E-4FF3-80A6-02FC675447B9}" dt="2023-09-24T14:19:21.180" v="32" actId="700"/>
-          <ac:spMkLst>
-            <pc:docMk/>
-            <pc:sldMk cId="2712464891" sldId="555"/>
-            <ac:spMk id="2" creationId="{CF3215CF-A728-82BF-AAA4-931F6D25F08C}"/>
-          </ac:spMkLst>
-        </pc:spChg>
-        <pc:spChg chg="del mod">
-          <ac:chgData name="Mitchell Wand" userId="de9b44c55c049659" providerId="LiveId" clId="{064DF8C5-6B1E-4FF3-80A6-02FC675447B9}" dt="2023-09-24T14:19:21.180" v="32" actId="700"/>
-          <ac:spMkLst>
-            <pc:docMk/>
-            <pc:sldMk cId="2712464891" sldId="555"/>
-            <ac:spMk id="3" creationId="{A81649C9-6A35-925D-0E40-C5C0A2930F07}"/>
-          </ac:spMkLst>
-        </pc:spChg>
-        <pc:spChg chg="mod">
-          <ac:chgData name="Mitchell Wand" userId="de9b44c55c049659" providerId="LiveId" clId="{064DF8C5-6B1E-4FF3-80A6-02FC675447B9}" dt="2023-09-24T14:19:14.654" v="31" actId="1076"/>
-          <ac:spMkLst>
-            <pc:docMk/>
-            <pc:sldMk cId="2712464891" sldId="555"/>
-            <ac:spMk id="5" creationId="{7EE60A86-0427-3FEB-F894-311E757B8EB4}"/>
-          </ac:spMkLst>
-        </pc:spChg>
-        <pc:spChg chg="mod">
-          <ac:chgData name="Mitchell Wand" userId="de9b44c55c049659" providerId="LiveId" clId="{064DF8C5-6B1E-4FF3-80A6-02FC675447B9}" dt="2023-09-24T14:19:14.654" v="31" actId="1076"/>
-          <ac:spMkLst>
-            <pc:docMk/>
-            <pc:sldMk cId="2712464891" sldId="555"/>
-            <ac:spMk id="6" creationId="{2CB827BB-9222-ED2F-3610-EC2518827BE6}"/>
-          </ac:spMkLst>
-        </pc:spChg>
-      </pc:sldChg>
-    </pc:docChg>
-  </pc:docChgLst>
-  <pc:docChgLst>
-    <pc:chgData name="Mitchell Wand" userId="de9b44c55c049659" providerId="LiveId" clId="{CAA78079-5F7F-4DB8-84B7-A553B524AE68}"/>
-    <pc:docChg chg="delSld delSection modSection">
-      <pc:chgData name="Mitchell Wand" userId="de9b44c55c049659" providerId="LiveId" clId="{CAA78079-5F7F-4DB8-84B7-A553B524AE68}" dt="2023-02-06T19:20:15.437" v="1" actId="18676"/>
-      <pc:docMkLst>
-        <pc:docMk/>
-      </pc:docMkLst>
-      <pc:sldChg chg="del">
-        <pc:chgData name="Mitchell Wand" userId="de9b44c55c049659" providerId="LiveId" clId="{CAA78079-5F7F-4DB8-84B7-A553B524AE68}" dt="2023-02-06T19:20:08.654" v="0" actId="18676"/>
-        <pc:sldMkLst>
-          <pc:docMk/>
-          <pc:sldMk cId="0" sldId="258"/>
-        </pc:sldMkLst>
-      </pc:sldChg>
-      <pc:sldChg chg="del">
-        <pc:chgData name="Mitchell Wand" userId="de9b44c55c049659" providerId="LiveId" clId="{CAA78079-5F7F-4DB8-84B7-A553B524AE68}" dt="2023-02-06T19:20:08.654" v="0" actId="18676"/>
-        <pc:sldMkLst>
-          <pc:docMk/>
-          <pc:sldMk cId="0" sldId="260"/>
-        </pc:sldMkLst>
-      </pc:sldChg>
-      <pc:sldChg chg="del">
-        <pc:chgData name="Mitchell Wand" userId="de9b44c55c049659" providerId="LiveId" clId="{CAA78079-5F7F-4DB8-84B7-A553B524AE68}" dt="2023-02-06T19:20:08.654" v="0" actId="18676"/>
-        <pc:sldMkLst>
-          <pc:docMk/>
-          <pc:sldMk cId="0" sldId="261"/>
-        </pc:sldMkLst>
-      </pc:sldChg>
-      <pc:sldChg chg="del">
-        <pc:chgData name="Mitchell Wand" userId="de9b44c55c049659" providerId="LiveId" clId="{CAA78079-5F7F-4DB8-84B7-A553B524AE68}" dt="2023-02-06T19:20:08.654" v="0" actId="18676"/>
-        <pc:sldMkLst>
-          <pc:docMk/>
-          <pc:sldMk cId="0" sldId="262"/>
-        </pc:sldMkLst>
-      </pc:sldChg>
-      <pc:sldChg chg="del">
-        <pc:chgData name="Mitchell Wand" userId="de9b44c55c049659" providerId="LiveId" clId="{CAA78079-5F7F-4DB8-84B7-A553B524AE68}" dt="2023-02-06T19:20:08.654" v="0" actId="18676"/>
-        <pc:sldMkLst>
-          <pc:docMk/>
-          <pc:sldMk cId="0" sldId="263"/>
-        </pc:sldMkLst>
-      </pc:sldChg>
-      <pc:sldChg chg="del">
-        <pc:chgData name="Mitchell Wand" userId="de9b44c55c049659" providerId="LiveId" clId="{CAA78079-5F7F-4DB8-84B7-A553B524AE68}" dt="2023-02-06T19:20:08.654" v="0" actId="18676"/>
-        <pc:sldMkLst>
-          <pc:docMk/>
-          <pc:sldMk cId="0" sldId="264"/>
-        </pc:sldMkLst>
-      </pc:sldChg>
-      <pc:sldChg chg="del">
-        <pc:chgData name="Mitchell Wand" userId="de9b44c55c049659" providerId="LiveId" clId="{CAA78079-5F7F-4DB8-84B7-A553B524AE68}" dt="2023-02-06T19:20:15.437" v="1" actId="18676"/>
-        <pc:sldMkLst>
-          <pc:docMk/>
-          <pc:sldMk cId="0" sldId="265"/>
-        </pc:sldMkLst>
-      </pc:sldChg>
-      <pc:sldChg chg="del">
-        <pc:chgData name="Mitchell Wand" userId="de9b44c55c049659" providerId="LiveId" clId="{CAA78079-5F7F-4DB8-84B7-A553B524AE68}" dt="2023-02-06T19:20:15.437" v="1" actId="18676"/>
-        <pc:sldMkLst>
-          <pc:docMk/>
-          <pc:sldMk cId="0" sldId="266"/>
-        </pc:sldMkLst>
-      </pc:sldChg>
-      <pc:sldChg chg="del">
-        <pc:chgData name="Mitchell Wand" userId="de9b44c55c049659" providerId="LiveId" clId="{CAA78079-5F7F-4DB8-84B7-A553B524AE68}" dt="2023-02-06T19:20:08.654" v="0" actId="18676"/>
-        <pc:sldMkLst>
-          <pc:docMk/>
-          <pc:sldMk cId="0" sldId="267"/>
-        </pc:sldMkLst>
-      </pc:sldChg>
-      <pc:sldChg chg="del">
-        <pc:chgData name="Mitchell Wand" userId="de9b44c55c049659" providerId="LiveId" clId="{CAA78079-5F7F-4DB8-84B7-A553B524AE68}" dt="2023-02-06T19:20:15.437" v="1" actId="18676"/>
-        <pc:sldMkLst>
-          <pc:docMk/>
-          <pc:sldMk cId="0" sldId="268"/>
-        </pc:sldMkLst>
-      </pc:sldChg>
-      <pc:sldChg chg="del">
-        <pc:chgData name="Mitchell Wand" userId="de9b44c55c049659" providerId="LiveId" clId="{CAA78079-5F7F-4DB8-84B7-A553B524AE68}" dt="2023-02-06T19:20:15.437" v="1" actId="18676"/>
-        <pc:sldMkLst>
-          <pc:docMk/>
-          <pc:sldMk cId="0" sldId="269"/>
-        </pc:sldMkLst>
-      </pc:sldChg>
-      <pc:sldChg chg="del">
-        <pc:chgData name="Mitchell Wand" userId="de9b44c55c049659" providerId="LiveId" clId="{CAA78079-5F7F-4DB8-84B7-A553B524AE68}" dt="2023-02-06T19:20:15.437" v="1" actId="18676"/>
-        <pc:sldMkLst>
-          <pc:docMk/>
-          <pc:sldMk cId="0" sldId="270"/>
-        </pc:sldMkLst>
-      </pc:sldChg>
-      <pc:sldChg chg="del">
-        <pc:chgData name="Mitchell Wand" userId="de9b44c55c049659" providerId="LiveId" clId="{CAA78079-5F7F-4DB8-84B7-A553B524AE68}" dt="2023-02-06T19:20:15.437" v="1" actId="18676"/>
-        <pc:sldMkLst>
-          <pc:docMk/>
-          <pc:sldMk cId="0" sldId="271"/>
-        </pc:sldMkLst>
-      </pc:sldChg>
-      <pc:sldChg chg="del">
-        <pc:chgData name="Mitchell Wand" userId="de9b44c55c049659" providerId="LiveId" clId="{CAA78079-5F7F-4DB8-84B7-A553B524AE68}" dt="2023-02-06T19:20:15.437" v="1" actId="18676"/>
-        <pc:sldMkLst>
-          <pc:docMk/>
-          <pc:sldMk cId="0" sldId="272"/>
-        </pc:sldMkLst>
-      </pc:sldChg>
-      <pc:sldChg chg="del">
-        <pc:chgData name="Mitchell Wand" userId="de9b44c55c049659" providerId="LiveId" clId="{CAA78079-5F7F-4DB8-84B7-A553B524AE68}" dt="2023-02-06T19:20:15.437" v="1" actId="18676"/>
-        <pc:sldMkLst>
-          <pc:docMk/>
-          <pc:sldMk cId="0" sldId="273"/>
-        </pc:sldMkLst>
-      </pc:sldChg>
-      <pc:sldChg chg="del">
-        <pc:chgData name="Mitchell Wand" userId="de9b44c55c049659" providerId="LiveId" clId="{CAA78079-5F7F-4DB8-84B7-A553B524AE68}" dt="2023-02-06T19:20:15.437" v="1" actId="18676"/>
-        <pc:sldMkLst>
-          <pc:docMk/>
-          <pc:sldMk cId="0" sldId="274"/>
-        </pc:sldMkLst>
-      </pc:sldChg>
-      <pc:sldChg chg="del">
-        <pc:chgData name="Mitchell Wand" userId="de9b44c55c049659" providerId="LiveId" clId="{CAA78079-5F7F-4DB8-84B7-A553B524AE68}" dt="2023-02-06T19:20:15.437" v="1" actId="18676"/>
-        <pc:sldMkLst>
-          <pc:docMk/>
-          <pc:sldMk cId="0" sldId="275"/>
-        </pc:sldMkLst>
-      </pc:sldChg>
-      <pc:sldChg chg="del">
-        <pc:chgData name="Mitchell Wand" userId="de9b44c55c049659" providerId="LiveId" clId="{CAA78079-5F7F-4DB8-84B7-A553B524AE68}" dt="2023-02-06T19:20:08.654" v="0" actId="18676"/>
-        <pc:sldMkLst>
-          <pc:docMk/>
-          <pc:sldMk cId="348441018" sldId="278"/>
-        </pc:sldMkLst>
-      </pc:sldChg>
-      <pc:sldChg chg="del">
-        <pc:chgData name="Mitchell Wand" userId="de9b44c55c049659" providerId="LiveId" clId="{CAA78079-5F7F-4DB8-84B7-A553B524AE68}" dt="2023-02-06T19:20:08.654" v="0" actId="18676"/>
-        <pc:sldMkLst>
-          <pc:docMk/>
-          <pc:sldMk cId="243386726" sldId="279"/>
-        </pc:sldMkLst>
-      </pc:sldChg>
-      <pc:sldChg chg="del">
-        <pc:chgData name="Mitchell Wand" userId="de9b44c55c049659" providerId="LiveId" clId="{CAA78079-5F7F-4DB8-84B7-A553B524AE68}" dt="2023-02-06T19:20:08.654" v="0" actId="18676"/>
-        <pc:sldMkLst>
-          <pc:docMk/>
-          <pc:sldMk cId="1355436100" sldId="282"/>
-        </pc:sldMkLst>
-      </pc:sldChg>
-      <pc:sldChg chg="del">
-        <pc:chgData name="Mitchell Wand" userId="de9b44c55c049659" providerId="LiveId" clId="{CAA78079-5F7F-4DB8-84B7-A553B524AE68}" dt="2023-02-06T19:20:08.654" v="0" actId="18676"/>
-        <pc:sldMkLst>
-          <pc:docMk/>
-          <pc:sldMk cId="269011012" sldId="283"/>
-        </pc:sldMkLst>
-      </pc:sldChg>
-      <pc:sldChg chg="del">
-        <pc:chgData name="Mitchell Wand" userId="de9b44c55c049659" providerId="LiveId" clId="{CAA78079-5F7F-4DB8-84B7-A553B524AE68}" dt="2023-02-06T19:20:08.654" v="0" actId="18676"/>
-        <pc:sldMkLst>
-          <pc:docMk/>
-          <pc:sldMk cId="3435050509" sldId="284"/>
-        </pc:sldMkLst>
-      </pc:sldChg>
-      <pc:sldChg chg="del">
-        <pc:chgData name="Mitchell Wand" userId="de9b44c55c049659" providerId="LiveId" clId="{CAA78079-5F7F-4DB8-84B7-A553B524AE68}" dt="2023-02-06T19:20:08.654" v="0" actId="18676"/>
-        <pc:sldMkLst>
-          <pc:docMk/>
-          <pc:sldMk cId="1598029701" sldId="560"/>
-        </pc:sldMkLst>
-      </pc:sldChg>
-      <pc:sldChg chg="del">
-        <pc:chgData name="Mitchell Wand" userId="de9b44c55c049659" providerId="LiveId" clId="{CAA78079-5F7F-4DB8-84B7-A553B524AE68}" dt="2023-02-06T19:20:08.654" v="0" actId="18676"/>
-        <pc:sldMkLst>
-          <pc:docMk/>
-          <pc:sldMk cId="410057537" sldId="561"/>
-        </pc:sldMkLst>
-      </pc:sldChg>
-      <pc:sldChg chg="del">
-        <pc:chgData name="Mitchell Wand" userId="de9b44c55c049659" providerId="LiveId" clId="{CAA78079-5F7F-4DB8-84B7-A553B524AE68}" dt="2023-02-06T19:20:08.654" v="0" actId="18676"/>
-        <pc:sldMkLst>
-          <pc:docMk/>
-          <pc:sldMk cId="2077756512" sldId="562"/>
-        </pc:sldMkLst>
-      </pc:sldChg>
-      <pc:sldChg chg="del">
-        <pc:chgData name="Mitchell Wand" userId="de9b44c55c049659" providerId="LiveId" clId="{CAA78079-5F7F-4DB8-84B7-A553B524AE68}" dt="2023-02-06T19:20:08.654" v="0" actId="18676"/>
-        <pc:sldMkLst>
-          <pc:docMk/>
-          <pc:sldMk cId="2901383571" sldId="563"/>
-        </pc:sldMkLst>
-      </pc:sldChg>
-      <pc:sldMasterChg chg="delSldLayout">
-        <pc:chgData name="Mitchell Wand" userId="de9b44c55c049659" providerId="LiveId" clId="{CAA78079-5F7F-4DB8-84B7-A553B524AE68}" dt="2023-02-06T19:20:15.437" v="1" actId="18676"/>
-        <pc:sldMasterMkLst>
-          <pc:docMk/>
-          <pc:sldMasterMk cId="0" sldId="2147483648"/>
-        </pc:sldMasterMkLst>
-        <pc:sldLayoutChg chg="del">
-          <pc:chgData name="Mitchell Wand" userId="de9b44c55c049659" providerId="LiveId" clId="{CAA78079-5F7F-4DB8-84B7-A553B524AE68}" dt="2023-02-06T19:20:15.437" v="1" actId="18676"/>
-          <pc:sldLayoutMkLst>
-            <pc:docMk/>
-            <pc:sldMasterMk cId="0" sldId="2147483648"/>
-            <pc:sldLayoutMk cId="0" sldId="2147483652"/>
-          </pc:sldLayoutMkLst>
-        </pc:sldLayoutChg>
-      </pc:sldMasterChg>
-    </pc:docChg>
-  </pc:docChgLst>
   <pc:docChgLst>
     <pc:chgData name="Mitchell Wand" userId="de9b44c55c049659" providerId="LiveId" clId="{EFF80507-F075-4EB1-9151-C5915D2462E0}"/>
     <pc:docChg chg="undo custSel addSld delSld modSld sldOrd addSection modSection">
@@ -1503,6 +1212,297 @@
       </pc:sldChg>
     </pc:docChg>
   </pc:docChgLst>
+  <pc:docChgLst>
+    <pc:chgData name="Mitchell Wand" userId="de9b44c55c049659" providerId="LiveId" clId="{CAA78079-5F7F-4DB8-84B7-A553B524AE68}"/>
+    <pc:docChg chg="delSld delSection modSection">
+      <pc:chgData name="Mitchell Wand" userId="de9b44c55c049659" providerId="LiveId" clId="{CAA78079-5F7F-4DB8-84B7-A553B524AE68}" dt="2023-02-06T19:20:15.437" v="1" actId="18676"/>
+      <pc:docMkLst>
+        <pc:docMk/>
+      </pc:docMkLst>
+      <pc:sldChg chg="del">
+        <pc:chgData name="Mitchell Wand" userId="de9b44c55c049659" providerId="LiveId" clId="{CAA78079-5F7F-4DB8-84B7-A553B524AE68}" dt="2023-02-06T19:20:08.654" v="0" actId="18676"/>
+        <pc:sldMkLst>
+          <pc:docMk/>
+          <pc:sldMk cId="0" sldId="258"/>
+        </pc:sldMkLst>
+      </pc:sldChg>
+      <pc:sldChg chg="del">
+        <pc:chgData name="Mitchell Wand" userId="de9b44c55c049659" providerId="LiveId" clId="{CAA78079-5F7F-4DB8-84B7-A553B524AE68}" dt="2023-02-06T19:20:08.654" v="0" actId="18676"/>
+        <pc:sldMkLst>
+          <pc:docMk/>
+          <pc:sldMk cId="0" sldId="260"/>
+        </pc:sldMkLst>
+      </pc:sldChg>
+      <pc:sldChg chg="del">
+        <pc:chgData name="Mitchell Wand" userId="de9b44c55c049659" providerId="LiveId" clId="{CAA78079-5F7F-4DB8-84B7-A553B524AE68}" dt="2023-02-06T19:20:08.654" v="0" actId="18676"/>
+        <pc:sldMkLst>
+          <pc:docMk/>
+          <pc:sldMk cId="0" sldId="261"/>
+        </pc:sldMkLst>
+      </pc:sldChg>
+      <pc:sldChg chg="del">
+        <pc:chgData name="Mitchell Wand" userId="de9b44c55c049659" providerId="LiveId" clId="{CAA78079-5F7F-4DB8-84B7-A553B524AE68}" dt="2023-02-06T19:20:08.654" v="0" actId="18676"/>
+        <pc:sldMkLst>
+          <pc:docMk/>
+          <pc:sldMk cId="0" sldId="262"/>
+        </pc:sldMkLst>
+      </pc:sldChg>
+      <pc:sldChg chg="del">
+        <pc:chgData name="Mitchell Wand" userId="de9b44c55c049659" providerId="LiveId" clId="{CAA78079-5F7F-4DB8-84B7-A553B524AE68}" dt="2023-02-06T19:20:08.654" v="0" actId="18676"/>
+        <pc:sldMkLst>
+          <pc:docMk/>
+          <pc:sldMk cId="0" sldId="263"/>
+        </pc:sldMkLst>
+      </pc:sldChg>
+      <pc:sldChg chg="del">
+        <pc:chgData name="Mitchell Wand" userId="de9b44c55c049659" providerId="LiveId" clId="{CAA78079-5F7F-4DB8-84B7-A553B524AE68}" dt="2023-02-06T19:20:08.654" v="0" actId="18676"/>
+        <pc:sldMkLst>
+          <pc:docMk/>
+          <pc:sldMk cId="0" sldId="264"/>
+        </pc:sldMkLst>
+      </pc:sldChg>
+      <pc:sldChg chg="del">
+        <pc:chgData name="Mitchell Wand" userId="de9b44c55c049659" providerId="LiveId" clId="{CAA78079-5F7F-4DB8-84B7-A553B524AE68}" dt="2023-02-06T19:20:15.437" v="1" actId="18676"/>
+        <pc:sldMkLst>
+          <pc:docMk/>
+          <pc:sldMk cId="0" sldId="265"/>
+        </pc:sldMkLst>
+      </pc:sldChg>
+      <pc:sldChg chg="del">
+        <pc:chgData name="Mitchell Wand" userId="de9b44c55c049659" providerId="LiveId" clId="{CAA78079-5F7F-4DB8-84B7-A553B524AE68}" dt="2023-02-06T19:20:15.437" v="1" actId="18676"/>
+        <pc:sldMkLst>
+          <pc:docMk/>
+          <pc:sldMk cId="0" sldId="266"/>
+        </pc:sldMkLst>
+      </pc:sldChg>
+      <pc:sldChg chg="del">
+        <pc:chgData name="Mitchell Wand" userId="de9b44c55c049659" providerId="LiveId" clId="{CAA78079-5F7F-4DB8-84B7-A553B524AE68}" dt="2023-02-06T19:20:08.654" v="0" actId="18676"/>
+        <pc:sldMkLst>
+          <pc:docMk/>
+          <pc:sldMk cId="0" sldId="267"/>
+        </pc:sldMkLst>
+      </pc:sldChg>
+      <pc:sldChg chg="del">
+        <pc:chgData name="Mitchell Wand" userId="de9b44c55c049659" providerId="LiveId" clId="{CAA78079-5F7F-4DB8-84B7-A553B524AE68}" dt="2023-02-06T19:20:15.437" v="1" actId="18676"/>
+        <pc:sldMkLst>
+          <pc:docMk/>
+          <pc:sldMk cId="0" sldId="268"/>
+        </pc:sldMkLst>
+      </pc:sldChg>
+      <pc:sldChg chg="del">
+        <pc:chgData name="Mitchell Wand" userId="de9b44c55c049659" providerId="LiveId" clId="{CAA78079-5F7F-4DB8-84B7-A553B524AE68}" dt="2023-02-06T19:20:15.437" v="1" actId="18676"/>
+        <pc:sldMkLst>
+          <pc:docMk/>
+          <pc:sldMk cId="0" sldId="269"/>
+        </pc:sldMkLst>
+      </pc:sldChg>
+      <pc:sldChg chg="del">
+        <pc:chgData name="Mitchell Wand" userId="de9b44c55c049659" providerId="LiveId" clId="{CAA78079-5F7F-4DB8-84B7-A553B524AE68}" dt="2023-02-06T19:20:15.437" v="1" actId="18676"/>
+        <pc:sldMkLst>
+          <pc:docMk/>
+          <pc:sldMk cId="0" sldId="270"/>
+        </pc:sldMkLst>
+      </pc:sldChg>
+      <pc:sldChg chg="del">
+        <pc:chgData name="Mitchell Wand" userId="de9b44c55c049659" providerId="LiveId" clId="{CAA78079-5F7F-4DB8-84B7-A553B524AE68}" dt="2023-02-06T19:20:15.437" v="1" actId="18676"/>
+        <pc:sldMkLst>
+          <pc:docMk/>
+          <pc:sldMk cId="0" sldId="271"/>
+        </pc:sldMkLst>
+      </pc:sldChg>
+      <pc:sldChg chg="del">
+        <pc:chgData name="Mitchell Wand" userId="de9b44c55c049659" providerId="LiveId" clId="{CAA78079-5F7F-4DB8-84B7-A553B524AE68}" dt="2023-02-06T19:20:15.437" v="1" actId="18676"/>
+        <pc:sldMkLst>
+          <pc:docMk/>
+          <pc:sldMk cId="0" sldId="272"/>
+        </pc:sldMkLst>
+      </pc:sldChg>
+      <pc:sldChg chg="del">
+        <pc:chgData name="Mitchell Wand" userId="de9b44c55c049659" providerId="LiveId" clId="{CAA78079-5F7F-4DB8-84B7-A553B524AE68}" dt="2023-02-06T19:20:15.437" v="1" actId="18676"/>
+        <pc:sldMkLst>
+          <pc:docMk/>
+          <pc:sldMk cId="0" sldId="273"/>
+        </pc:sldMkLst>
+      </pc:sldChg>
+      <pc:sldChg chg="del">
+        <pc:chgData name="Mitchell Wand" userId="de9b44c55c049659" providerId="LiveId" clId="{CAA78079-5F7F-4DB8-84B7-A553B524AE68}" dt="2023-02-06T19:20:15.437" v="1" actId="18676"/>
+        <pc:sldMkLst>
+          <pc:docMk/>
+          <pc:sldMk cId="0" sldId="274"/>
+        </pc:sldMkLst>
+      </pc:sldChg>
+      <pc:sldChg chg="del">
+        <pc:chgData name="Mitchell Wand" userId="de9b44c55c049659" providerId="LiveId" clId="{CAA78079-5F7F-4DB8-84B7-A553B524AE68}" dt="2023-02-06T19:20:15.437" v="1" actId="18676"/>
+        <pc:sldMkLst>
+          <pc:docMk/>
+          <pc:sldMk cId="0" sldId="275"/>
+        </pc:sldMkLst>
+      </pc:sldChg>
+      <pc:sldChg chg="del">
+        <pc:chgData name="Mitchell Wand" userId="de9b44c55c049659" providerId="LiveId" clId="{CAA78079-5F7F-4DB8-84B7-A553B524AE68}" dt="2023-02-06T19:20:08.654" v="0" actId="18676"/>
+        <pc:sldMkLst>
+          <pc:docMk/>
+          <pc:sldMk cId="348441018" sldId="278"/>
+        </pc:sldMkLst>
+      </pc:sldChg>
+      <pc:sldChg chg="del">
+        <pc:chgData name="Mitchell Wand" userId="de9b44c55c049659" providerId="LiveId" clId="{CAA78079-5F7F-4DB8-84B7-A553B524AE68}" dt="2023-02-06T19:20:08.654" v="0" actId="18676"/>
+        <pc:sldMkLst>
+          <pc:docMk/>
+          <pc:sldMk cId="243386726" sldId="279"/>
+        </pc:sldMkLst>
+      </pc:sldChg>
+      <pc:sldChg chg="del">
+        <pc:chgData name="Mitchell Wand" userId="de9b44c55c049659" providerId="LiveId" clId="{CAA78079-5F7F-4DB8-84B7-A553B524AE68}" dt="2023-02-06T19:20:08.654" v="0" actId="18676"/>
+        <pc:sldMkLst>
+          <pc:docMk/>
+          <pc:sldMk cId="1355436100" sldId="282"/>
+        </pc:sldMkLst>
+      </pc:sldChg>
+      <pc:sldChg chg="del">
+        <pc:chgData name="Mitchell Wand" userId="de9b44c55c049659" providerId="LiveId" clId="{CAA78079-5F7F-4DB8-84B7-A553B524AE68}" dt="2023-02-06T19:20:08.654" v="0" actId="18676"/>
+        <pc:sldMkLst>
+          <pc:docMk/>
+          <pc:sldMk cId="269011012" sldId="283"/>
+        </pc:sldMkLst>
+      </pc:sldChg>
+      <pc:sldChg chg="del">
+        <pc:chgData name="Mitchell Wand" userId="de9b44c55c049659" providerId="LiveId" clId="{CAA78079-5F7F-4DB8-84B7-A553B524AE68}" dt="2023-02-06T19:20:08.654" v="0" actId="18676"/>
+        <pc:sldMkLst>
+          <pc:docMk/>
+          <pc:sldMk cId="3435050509" sldId="284"/>
+        </pc:sldMkLst>
+      </pc:sldChg>
+      <pc:sldChg chg="del">
+        <pc:chgData name="Mitchell Wand" userId="de9b44c55c049659" providerId="LiveId" clId="{CAA78079-5F7F-4DB8-84B7-A553B524AE68}" dt="2023-02-06T19:20:08.654" v="0" actId="18676"/>
+        <pc:sldMkLst>
+          <pc:docMk/>
+          <pc:sldMk cId="1598029701" sldId="560"/>
+        </pc:sldMkLst>
+      </pc:sldChg>
+      <pc:sldChg chg="del">
+        <pc:chgData name="Mitchell Wand" userId="de9b44c55c049659" providerId="LiveId" clId="{CAA78079-5F7F-4DB8-84B7-A553B524AE68}" dt="2023-02-06T19:20:08.654" v="0" actId="18676"/>
+        <pc:sldMkLst>
+          <pc:docMk/>
+          <pc:sldMk cId="410057537" sldId="561"/>
+        </pc:sldMkLst>
+      </pc:sldChg>
+      <pc:sldChg chg="del">
+        <pc:chgData name="Mitchell Wand" userId="de9b44c55c049659" providerId="LiveId" clId="{CAA78079-5F7F-4DB8-84B7-A553B524AE68}" dt="2023-02-06T19:20:08.654" v="0" actId="18676"/>
+        <pc:sldMkLst>
+          <pc:docMk/>
+          <pc:sldMk cId="2077756512" sldId="562"/>
+        </pc:sldMkLst>
+      </pc:sldChg>
+      <pc:sldChg chg="del">
+        <pc:chgData name="Mitchell Wand" userId="de9b44c55c049659" providerId="LiveId" clId="{CAA78079-5F7F-4DB8-84B7-A553B524AE68}" dt="2023-02-06T19:20:08.654" v="0" actId="18676"/>
+        <pc:sldMkLst>
+          <pc:docMk/>
+          <pc:sldMk cId="2901383571" sldId="563"/>
+        </pc:sldMkLst>
+      </pc:sldChg>
+      <pc:sldMasterChg chg="delSldLayout">
+        <pc:chgData name="Mitchell Wand" userId="de9b44c55c049659" providerId="LiveId" clId="{CAA78079-5F7F-4DB8-84B7-A553B524AE68}" dt="2023-02-06T19:20:15.437" v="1" actId="18676"/>
+        <pc:sldMasterMkLst>
+          <pc:docMk/>
+          <pc:sldMasterMk cId="0" sldId="2147483648"/>
+        </pc:sldMasterMkLst>
+        <pc:sldLayoutChg chg="del">
+          <pc:chgData name="Mitchell Wand" userId="de9b44c55c049659" providerId="LiveId" clId="{CAA78079-5F7F-4DB8-84B7-A553B524AE68}" dt="2023-02-06T19:20:15.437" v="1" actId="18676"/>
+          <pc:sldLayoutMkLst>
+            <pc:docMk/>
+            <pc:sldMasterMk cId="0" sldId="2147483648"/>
+            <pc:sldLayoutMk cId="0" sldId="2147483652"/>
+          </pc:sldLayoutMkLst>
+        </pc:sldLayoutChg>
+      </pc:sldMasterChg>
+    </pc:docChg>
+  </pc:docChgLst>
+  <pc:docChgLst>
+    <pc:chgData name="Mitchell Wand" userId="de9b44c55c049659" providerId="LiveId" clId="{064DF8C5-6B1E-4FF3-80A6-02FC675447B9}"/>
+    <pc:docChg chg="undo custSel modSld">
+      <pc:chgData name="Mitchell Wand" userId="de9b44c55c049659" providerId="LiveId" clId="{064DF8C5-6B1E-4FF3-80A6-02FC675447B9}" dt="2023-09-24T14:27:47.802" v="40" actId="6549"/>
+      <pc:docMkLst>
+        <pc:docMk/>
+      </pc:docMkLst>
+      <pc:sldChg chg="modSp mod">
+        <pc:chgData name="Mitchell Wand" userId="de9b44c55c049659" providerId="LiveId" clId="{064DF8C5-6B1E-4FF3-80A6-02FC675447B9}" dt="2023-09-24T14:13:05.134" v="0" actId="20577"/>
+        <pc:sldMkLst>
+          <pc:docMk/>
+          <pc:sldMk cId="0" sldId="256"/>
+        </pc:sldMkLst>
+        <pc:spChg chg="mod">
+          <ac:chgData name="Mitchell Wand" userId="de9b44c55c049659" providerId="LiveId" clId="{064DF8C5-6B1E-4FF3-80A6-02FC675447B9}" dt="2023-09-24T14:13:05.134" v="0" actId="20577"/>
+          <ac:spMkLst>
+            <pc:docMk/>
+            <pc:sldMk cId="0" sldId="256"/>
+            <ac:spMk id="137" creationId="{00000000-0000-0000-0000-000000000000}"/>
+          </ac:spMkLst>
+        </pc:spChg>
+      </pc:sldChg>
+      <pc:sldChg chg="modSp mod">
+        <pc:chgData name="Mitchell Wand" userId="de9b44c55c049659" providerId="LiveId" clId="{064DF8C5-6B1E-4FF3-80A6-02FC675447B9}" dt="2023-09-24T14:27:47.802" v="40" actId="6549"/>
+        <pc:sldMkLst>
+          <pc:docMk/>
+          <pc:sldMk cId="828842526" sldId="293"/>
+        </pc:sldMkLst>
+        <pc:spChg chg="mod">
+          <ac:chgData name="Mitchell Wand" userId="de9b44c55c049659" providerId="LiveId" clId="{064DF8C5-6B1E-4FF3-80A6-02FC675447B9}" dt="2023-09-24T14:27:47.802" v="40" actId="6549"/>
+          <ac:spMkLst>
+            <pc:docMk/>
+            <pc:sldMk cId="828842526" sldId="293"/>
+            <ac:spMk id="6" creationId="{93AD0266-913C-2302-C040-CD4D37DCAA24}"/>
+          </ac:spMkLst>
+        </pc:spChg>
+      </pc:sldChg>
+      <pc:sldChg chg="modNotesTx">
+        <pc:chgData name="Mitchell Wand" userId="de9b44c55c049659" providerId="LiveId" clId="{064DF8C5-6B1E-4FF3-80A6-02FC675447B9}" dt="2023-09-24T14:14:40.870" v="13" actId="20577"/>
+        <pc:sldMkLst>
+          <pc:docMk/>
+          <pc:sldMk cId="482260618" sldId="547"/>
+        </pc:sldMkLst>
+      </pc:sldChg>
+      <pc:sldChg chg="delSp modSp mod modClrScheme chgLayout modNotesTx">
+        <pc:chgData name="Mitchell Wand" userId="de9b44c55c049659" providerId="LiveId" clId="{064DF8C5-6B1E-4FF3-80A6-02FC675447B9}" dt="2023-09-24T14:19:21.180" v="32" actId="700"/>
+        <pc:sldMkLst>
+          <pc:docMk/>
+          <pc:sldMk cId="2712464891" sldId="555"/>
+        </pc:sldMkLst>
+        <pc:spChg chg="mod ord">
+          <ac:chgData name="Mitchell Wand" userId="de9b44c55c049659" providerId="LiveId" clId="{064DF8C5-6B1E-4FF3-80A6-02FC675447B9}" dt="2023-09-24T14:19:21.180" v="32" actId="700"/>
+          <ac:spMkLst>
+            <pc:docMk/>
+            <pc:sldMk cId="2712464891" sldId="555"/>
+            <ac:spMk id="2" creationId="{CF3215CF-A728-82BF-AAA4-931F6D25F08C}"/>
+          </ac:spMkLst>
+        </pc:spChg>
+        <pc:spChg chg="del mod">
+          <ac:chgData name="Mitchell Wand" userId="de9b44c55c049659" providerId="LiveId" clId="{064DF8C5-6B1E-4FF3-80A6-02FC675447B9}" dt="2023-09-24T14:19:21.180" v="32" actId="700"/>
+          <ac:spMkLst>
+            <pc:docMk/>
+            <pc:sldMk cId="2712464891" sldId="555"/>
+            <ac:spMk id="3" creationId="{A81649C9-6A35-925D-0E40-C5C0A2930F07}"/>
+          </ac:spMkLst>
+        </pc:spChg>
+        <pc:spChg chg="mod">
+          <ac:chgData name="Mitchell Wand" userId="de9b44c55c049659" providerId="LiveId" clId="{064DF8C5-6B1E-4FF3-80A6-02FC675447B9}" dt="2023-09-24T14:19:14.654" v="31" actId="1076"/>
+          <ac:spMkLst>
+            <pc:docMk/>
+            <pc:sldMk cId="2712464891" sldId="555"/>
+            <ac:spMk id="5" creationId="{7EE60A86-0427-3FEB-F894-311E757B8EB4}"/>
+          </ac:spMkLst>
+        </pc:spChg>
+        <pc:spChg chg="mod">
+          <ac:chgData name="Mitchell Wand" userId="de9b44c55c049659" providerId="LiveId" clId="{064DF8C5-6B1E-4FF3-80A6-02FC675447B9}" dt="2023-09-24T14:19:14.654" v="31" actId="1076"/>
+          <ac:spMkLst>
+            <pc:docMk/>
+            <pc:sldMk cId="2712464891" sldId="555"/>
+            <ac:spMk id="6" creationId="{2CB827BB-9222-ED2F-3610-EC2518827BE6}"/>
+          </ac:spMkLst>
+        </pc:spChg>
+      </pc:sldChg>
+    </pc:docChg>
+  </pc:docChgLst>
 </pc:chgInfo>
 </file>
 
@@ -4703,7 +4703,7 @@
           <a:p>
             <a:fld id="{07C7BFD4-467E-4EDE-93EA-052F5B39A4E5}" type="datetime1">
               <a:rPr lang="en-US" smtClean="0"/>
-              <a:t>9/24/2023</a:t>
+              <a:t>10/10/2023</a:t>
             </a:fld>
             <a:endParaRPr lang="en-US"/>
           </a:p>
@@ -6056,7 +6056,7 @@
           </a:ln>
           <a:extLst>
             <a:ext uri="{C572A759-6A51-4108-AA02-DFA0A04FC94B}">
-              <ma14:wrappingTextBoxFlag xmlns:ma14="http://schemas.microsoft.com/office/mac/drawingml/2011/main" xmlns:a14="http://schemas.microsoft.com/office/drawing/2010/main" xmlns:m="http://schemas.openxmlformats.org/officeDocument/2006/math" xmlns="" val="1"/>
+              <ma14:wrappingTextBoxFlag xmlns="" xmlns:m="http://schemas.openxmlformats.org/officeDocument/2006/math" xmlns:a14="http://schemas.microsoft.com/office/drawing/2010/main" xmlns:ma14="http://schemas.microsoft.com/office/mac/drawingml/2011/main" val="1"/>
             </a:ext>
           </a:extLst>
         </p:spPr>
@@ -6167,7 +6167,7 @@
           </a:ln>
           <a:extLst>
             <a:ext uri="{C572A759-6A51-4108-AA02-DFA0A04FC94B}">
-              <ma14:wrappingTextBoxFlag xmlns:ma14="http://schemas.microsoft.com/office/mac/drawingml/2011/main" xmlns:a14="http://schemas.microsoft.com/office/drawing/2010/main" xmlns:m="http://schemas.openxmlformats.org/officeDocument/2006/math" xmlns="" val="1"/>
+              <ma14:wrappingTextBoxFlag xmlns="" xmlns:m="http://schemas.openxmlformats.org/officeDocument/2006/math" xmlns:a14="http://schemas.microsoft.com/office/drawing/2010/main" xmlns:ma14="http://schemas.microsoft.com/office/mac/drawingml/2011/main" val="1"/>
             </a:ext>
           </a:extLst>
         </p:spPr>
@@ -7078,7 +7078,7 @@
           </a:prstGeom>
           <a:extLst>
             <a:ext uri="{C572A759-6A51-4108-AA02-DFA0A04FC94B}">
-              <ma14:wrappingTextBoxFlag xmlns:ma14="http://schemas.microsoft.com/office/mac/drawingml/2011/main" xmlns:a14="http://schemas.microsoft.com/office/drawing/2010/main" xmlns:m="http://schemas.openxmlformats.org/officeDocument/2006/math" xmlns="" val="1"/>
+              <ma14:wrappingTextBoxFlag xmlns="" xmlns:m="http://schemas.openxmlformats.org/officeDocument/2006/math" xmlns:a14="http://schemas.microsoft.com/office/drawing/2010/main" xmlns:ma14="http://schemas.microsoft.com/office/mac/drawingml/2011/main" val="1"/>
             </a:ext>
           </a:extLst>
         </p:spPr>
@@ -7113,7 +7113,7 @@
           </a:ln>
           <a:extLst>
             <a:ext uri="{C572A759-6A51-4108-AA02-DFA0A04FC94B}">
-              <ma14:wrappingTextBoxFlag xmlns:ma14="http://schemas.microsoft.com/office/mac/drawingml/2011/main" xmlns:a14="http://schemas.microsoft.com/office/drawing/2010/main" xmlns:m="http://schemas.openxmlformats.org/officeDocument/2006/math" xmlns="" val="1"/>
+              <ma14:wrappingTextBoxFlag xmlns="" xmlns:m="http://schemas.openxmlformats.org/officeDocument/2006/math" xmlns:a14="http://schemas.microsoft.com/office/drawing/2010/main" xmlns:ma14="http://schemas.microsoft.com/office/mac/drawingml/2011/main" val="1"/>
             </a:ext>
           </a:extLst>
         </p:spPr>
@@ -9049,7 +9049,7 @@
             <a:effectLst/>
             <a:extLst>
               <a:ext uri="{C572A759-6A51-4108-AA02-DFA0A04FC94B}">
-                <ma14:wrappingTextBoxFlag xmlns:ma14="http://schemas.microsoft.com/office/mac/drawingml/2011/main" xmlns:a14="http://schemas.microsoft.com/office/drawing/2010/main" xmlns:m="http://schemas.openxmlformats.org/officeDocument/2006/math" xmlns="" val="1"/>
+                <ma14:wrappingTextBoxFlag xmlns="" xmlns:m="http://schemas.openxmlformats.org/officeDocument/2006/math" xmlns:a14="http://schemas.microsoft.com/office/drawing/2010/main" xmlns:ma14="http://schemas.microsoft.com/office/mac/drawingml/2011/main" val="1"/>
               </a:ext>
             </a:extLst>
           </p:spPr>
@@ -9131,7 +9131,7 @@
           </a:prstGeom>
           <a:extLst>
             <a:ext uri="{C572A759-6A51-4108-AA02-DFA0A04FC94B}">
-              <ma14:wrappingTextBoxFlag xmlns:ma14="http://schemas.microsoft.com/office/mac/drawingml/2011/main" xmlns:a14="http://schemas.microsoft.com/office/drawing/2010/main" xmlns:m="http://schemas.openxmlformats.org/officeDocument/2006/math" xmlns="" val="1"/>
+              <ma14:wrappingTextBoxFlag xmlns="" xmlns:m="http://schemas.openxmlformats.org/officeDocument/2006/math" xmlns:a14="http://schemas.microsoft.com/office/drawing/2010/main" xmlns:ma14="http://schemas.microsoft.com/office/mac/drawingml/2011/main" val="1"/>
             </a:ext>
           </a:extLst>
         </p:spPr>
@@ -9547,7 +9547,7 @@
             <a:effectLst/>
             <a:extLst>
               <a:ext uri="{C572A759-6A51-4108-AA02-DFA0A04FC94B}">
-                <ma14:wrappingTextBoxFlag xmlns:ma14="http://schemas.microsoft.com/office/mac/drawingml/2011/main" xmlns:a14="http://schemas.microsoft.com/office/drawing/2010/main" xmlns:m="http://schemas.openxmlformats.org/officeDocument/2006/math" xmlns="" val="1"/>
+                <ma14:wrappingTextBoxFlag xmlns="" xmlns:m="http://schemas.openxmlformats.org/officeDocument/2006/math" xmlns:a14="http://schemas.microsoft.com/office/drawing/2010/main" xmlns:ma14="http://schemas.microsoft.com/office/mac/drawingml/2011/main" val="1"/>
               </a:ext>
             </a:extLst>
           </p:spPr>
@@ -9591,6 +9591,1748 @@
         <p:grpSpPr>
           <a:xfrm>
             <a:off x="9451664" y="8526928"/>
+            <a:ext cx="3657601" cy="4864609"/>
+            <a:chOff x="0" y="0"/>
+            <a:chExt cx="3657600" cy="4864608"/>
+          </a:xfrm>
+        </p:grpSpPr>
+        <p:grpSp>
+          <p:nvGrpSpPr>
+            <p:cNvPr id="269" name="Group"/>
+            <p:cNvGrpSpPr/>
+            <p:nvPr/>
+          </p:nvGrpSpPr>
+          <p:grpSpPr>
+            <a:xfrm>
+              <a:off x="0" y="-1"/>
+              <a:ext cx="3657600" cy="4864610"/>
+              <a:chOff x="0" y="0"/>
+              <a:chExt cx="3657600" cy="4864608"/>
+            </a:xfrm>
+          </p:grpSpPr>
+          <p:sp>
+            <p:nvSpPr>
+              <p:cNvPr id="266" name="Shape"/>
+              <p:cNvSpPr/>
+              <p:nvPr/>
+            </p:nvSpPr>
+            <p:spPr>
+              <a:xfrm>
+                <a:off x="0" y="-1"/>
+                <a:ext cx="3657600" cy="4864610"/>
+              </a:xfrm>
+              <a:custGeom>
+                <a:avLst/>
+                <a:gdLst/>
+                <a:ahLst/>
+                <a:cxnLst>
+                  <a:cxn ang="0">
+                    <a:pos x="wd2" y="hd2"/>
+                  </a:cxn>
+                  <a:cxn ang="5400000">
+                    <a:pos x="wd2" y="hd2"/>
+                  </a:cxn>
+                  <a:cxn ang="10800000">
+                    <a:pos x="wd2" y="hd2"/>
+                  </a:cxn>
+                  <a:cxn ang="16200000">
+                    <a:pos x="wd2" y="hd2"/>
+                  </a:cxn>
+                </a:cxnLst>
+                <a:rect l="0" t="0" r="r" b="b"/>
+                <a:pathLst>
+                  <a:path w="21600" h="21600" extrusionOk="0">
+                    <a:moveTo>
+                      <a:pt x="0" y="2030"/>
+                    </a:moveTo>
+                    <a:cubicBezTo>
+                      <a:pt x="0" y="909"/>
+                      <a:pt x="4835" y="0"/>
+                      <a:pt x="10800" y="0"/>
+                    </a:cubicBezTo>
+                    <a:cubicBezTo>
+                      <a:pt x="16765" y="0"/>
+                      <a:pt x="21600" y="909"/>
+                      <a:pt x="21600" y="2030"/>
+                    </a:cubicBezTo>
+                    <a:lnTo>
+                      <a:pt x="21600" y="19570"/>
+                    </a:lnTo>
+                    <a:cubicBezTo>
+                      <a:pt x="21600" y="20691"/>
+                      <a:pt x="16765" y="21600"/>
+                      <a:pt x="10800" y="21600"/>
+                    </a:cubicBezTo>
+                    <a:cubicBezTo>
+                      <a:pt x="4835" y="21600"/>
+                      <a:pt x="0" y="20691"/>
+                      <a:pt x="0" y="19570"/>
+                    </a:cubicBezTo>
+                    <a:close/>
+                  </a:path>
+                </a:pathLst>
+              </a:custGeom>
+              <a:solidFill>
+                <a:srgbClr val="FBE5D6"/>
+              </a:solidFill>
+              <a:ln w="12700" cap="flat">
+                <a:noFill/>
+                <a:miter lim="400000"/>
+              </a:ln>
+              <a:effectLst/>
+            </p:spPr>
+            <p:txBody>
+              <a:bodyPr wrap="square" lIns="91439" tIns="91439" rIns="91439" bIns="91439" numCol="1" anchor="ctr">
+                <a:noAutofit/>
+              </a:bodyPr>
+              <a:lstStyle/>
+              <a:p>
+                <a:pPr>
+                  <a:defRPr>
+                    <a:solidFill>
+                      <a:srgbClr val="FFFFFF"/>
+                    </a:solidFill>
+                  </a:defRPr>
+                </a:pPr>
+                <a:endParaRPr/>
+              </a:p>
+            </p:txBody>
+          </p:sp>
+          <p:sp>
+            <p:nvSpPr>
+              <p:cNvPr id="267" name="Oval"/>
+              <p:cNvSpPr/>
+              <p:nvPr/>
+            </p:nvSpPr>
+            <p:spPr>
+              <a:xfrm>
+                <a:off x="0" y="-1"/>
+                <a:ext cx="3657600" cy="914401"/>
+              </a:xfrm>
+              <a:prstGeom prst="ellipse">
+                <a:avLst/>
+              </a:prstGeom>
+              <a:solidFill>
+                <a:srgbClr val="FFFFFF">
+                  <a:alpha val="40000"/>
+                </a:srgbClr>
+              </a:solidFill>
+              <a:ln w="12700" cap="flat">
+                <a:noFill/>
+                <a:miter lim="400000"/>
+              </a:ln>
+              <a:effectLst/>
+            </p:spPr>
+            <p:txBody>
+              <a:bodyPr wrap="square" lIns="91439" tIns="91439" rIns="91439" bIns="91439" numCol="1" anchor="ctr">
+                <a:noAutofit/>
+              </a:bodyPr>
+              <a:lstStyle/>
+              <a:p>
+                <a:pPr>
+                  <a:defRPr>
+                    <a:solidFill>
+                      <a:srgbClr val="FFFFFF"/>
+                    </a:solidFill>
+                  </a:defRPr>
+                </a:pPr>
+                <a:endParaRPr/>
+              </a:p>
+            </p:txBody>
+          </p:sp>
+          <p:sp>
+            <p:nvSpPr>
+              <p:cNvPr id="268" name="Line"/>
+              <p:cNvSpPr/>
+              <p:nvPr/>
+            </p:nvSpPr>
+            <p:spPr>
+              <a:xfrm>
+                <a:off x="0" y="-1"/>
+                <a:ext cx="3657600" cy="4864610"/>
+              </a:xfrm>
+              <a:custGeom>
+                <a:avLst/>
+                <a:gdLst/>
+                <a:ahLst/>
+                <a:cxnLst>
+                  <a:cxn ang="0">
+                    <a:pos x="wd2" y="hd2"/>
+                  </a:cxn>
+                  <a:cxn ang="5400000">
+                    <a:pos x="wd2" y="hd2"/>
+                  </a:cxn>
+                  <a:cxn ang="10800000">
+                    <a:pos x="wd2" y="hd2"/>
+                  </a:cxn>
+                  <a:cxn ang="16200000">
+                    <a:pos x="wd2" y="hd2"/>
+                  </a:cxn>
+                </a:cxnLst>
+                <a:rect l="0" t="0" r="r" b="b"/>
+                <a:pathLst>
+                  <a:path w="21600" h="21600" extrusionOk="0">
+                    <a:moveTo>
+                      <a:pt x="21600" y="2030"/>
+                    </a:moveTo>
+                    <a:cubicBezTo>
+                      <a:pt x="21600" y="3151"/>
+                      <a:pt x="16765" y="4060"/>
+                      <a:pt x="10800" y="4060"/>
+                    </a:cubicBezTo>
+                    <a:cubicBezTo>
+                      <a:pt x="4835" y="4060"/>
+                      <a:pt x="0" y="3151"/>
+                      <a:pt x="0" y="2030"/>
+                    </a:cubicBezTo>
+                    <a:cubicBezTo>
+                      <a:pt x="0" y="909"/>
+                      <a:pt x="4835" y="0"/>
+                      <a:pt x="10800" y="0"/>
+                    </a:cubicBezTo>
+                    <a:cubicBezTo>
+                      <a:pt x="16765" y="0"/>
+                      <a:pt x="21600" y="909"/>
+                      <a:pt x="21600" y="2030"/>
+                    </a:cubicBezTo>
+                    <a:lnTo>
+                      <a:pt x="21600" y="19570"/>
+                    </a:lnTo>
+                    <a:cubicBezTo>
+                      <a:pt x="21600" y="20691"/>
+                      <a:pt x="16765" y="21600"/>
+                      <a:pt x="10800" y="21600"/>
+                    </a:cubicBezTo>
+                    <a:cubicBezTo>
+                      <a:pt x="4835" y="21600"/>
+                      <a:pt x="0" y="20691"/>
+                      <a:pt x="0" y="19570"/>
+                    </a:cubicBezTo>
+                    <a:lnTo>
+                      <a:pt x="0" y="2030"/>
+                    </a:lnTo>
+                  </a:path>
+                </a:pathLst>
+              </a:custGeom>
+              <a:noFill/>
+              <a:ln w="25400" cap="flat">
+                <a:solidFill>
+                  <a:srgbClr val="0070C0"/>
+                </a:solidFill>
+                <a:prstDash val="solid"/>
+                <a:miter lim="800000"/>
+              </a:ln>
+              <a:effectLst/>
+            </p:spPr>
+            <p:txBody>
+              <a:bodyPr wrap="square" lIns="91439" tIns="91439" rIns="91439" bIns="91439" numCol="1" anchor="ctr">
+                <a:noAutofit/>
+              </a:bodyPr>
+              <a:lstStyle/>
+              <a:p>
+                <a:pPr>
+                  <a:defRPr>
+                    <a:solidFill>
+                      <a:srgbClr val="FFFFFF"/>
+                    </a:solidFill>
+                  </a:defRPr>
+                </a:pPr>
+                <a:endParaRPr/>
+              </a:p>
+            </p:txBody>
+          </p:sp>
+        </p:grpSp>
+        <p:sp>
+          <p:nvSpPr>
+            <p:cNvPr id="270" name="Database"/>
+            <p:cNvSpPr txBox="1"/>
+            <p:nvPr/>
+          </p:nvSpPr>
+          <p:spPr>
+            <a:xfrm>
+              <a:off x="104139" y="2262084"/>
+              <a:ext cx="3449322" cy="797640"/>
+            </a:xfrm>
+            <a:prstGeom prst="rect">
+              <a:avLst/>
+            </a:prstGeom>
+            <a:noFill/>
+            <a:ln w="25400" cap="flat">
+              <a:noFill/>
+              <a:miter lim="400000"/>
+            </a:ln>
+            <a:effectLst/>
+            <a:extLst>
+              <a:ext uri="{C572A759-6A51-4108-AA02-DFA0A04FC94B}">
+                <ma14:wrappingTextBoxFlag xmlns="" xmlns:m="http://schemas.openxmlformats.org/officeDocument/2006/math" xmlns:a14="http://schemas.microsoft.com/office/drawing/2010/main" xmlns:ma14="http://schemas.microsoft.com/office/mac/drawingml/2011/main" val="1"/>
+              </a:ext>
+            </a:extLst>
+          </p:spPr>
+          <p:txBody>
+            <a:bodyPr wrap="square" lIns="91439" tIns="91439" rIns="91439" bIns="91439" numCol="1" anchor="ctr">
+              <a:spAutoFit/>
+            </a:bodyPr>
+            <a:lstStyle>
+              <a:lvl1pPr>
+                <a:defRPr sz="4800"/>
+              </a:lvl1pPr>
+            </a:lstStyle>
+            <a:p>
+              <a:r>
+                <a:rPr dirty="0"/>
+                <a:t>   Database</a:t>
+              </a:r>
+            </a:p>
+          </p:txBody>
+        </p:sp>
+      </p:grpSp>
+      <p:grpSp>
+        <p:nvGrpSpPr>
+          <p:cNvPr id="274" name="Rounded Rectangle 5"/>
+          <p:cNvGrpSpPr/>
+          <p:nvPr/>
+        </p:nvGrpSpPr>
+        <p:grpSpPr>
+          <a:xfrm>
+            <a:off x="9438965" y="3639672"/>
+            <a:ext cx="3657601" cy="3657601"/>
+            <a:chOff x="0" y="0"/>
+            <a:chExt cx="3657600" cy="3657600"/>
+          </a:xfrm>
+        </p:grpSpPr>
+        <p:sp>
+          <p:nvSpPr>
+            <p:cNvPr id="272" name="Rounded Rectangle"/>
+            <p:cNvSpPr/>
+            <p:nvPr/>
+          </p:nvSpPr>
+          <p:spPr>
+            <a:xfrm>
+              <a:off x="0" y="0"/>
+              <a:ext cx="3657600" cy="3657600"/>
+            </a:xfrm>
+            <a:prstGeom prst="roundRect">
+              <a:avLst>
+                <a:gd name="adj" fmla="val 16667"/>
+              </a:avLst>
+            </a:prstGeom>
+            <a:solidFill>
+              <a:srgbClr val="FBE5D6"/>
+            </a:solidFill>
+            <a:ln w="25400" cap="flat">
+              <a:solidFill>
+                <a:srgbClr val="0070C0"/>
+              </a:solidFill>
+              <a:prstDash val="solid"/>
+              <a:miter lim="800000"/>
+            </a:ln>
+            <a:effectLst/>
+          </p:spPr>
+          <p:txBody>
+            <a:bodyPr wrap="square" lIns="91439" tIns="91439" rIns="91439" bIns="91439" numCol="1" anchor="ctr">
+              <a:noAutofit/>
+            </a:bodyPr>
+            <a:lstStyle/>
+            <a:p>
+              <a:pPr algn="ctr">
+                <a:defRPr>
+                  <a:solidFill>
+                    <a:srgbClr val="FFFFFF"/>
+                  </a:solidFill>
+                </a:defRPr>
+              </a:pPr>
+              <a:endParaRPr/>
+            </a:p>
+          </p:txBody>
+        </p:sp>
+        <p:sp>
+          <p:nvSpPr>
+            <p:cNvPr id="273" name="Business Logic"/>
+            <p:cNvSpPr txBox="1"/>
+            <p:nvPr/>
+          </p:nvSpPr>
+          <p:spPr>
+            <a:xfrm>
+              <a:off x="282689" y="1367136"/>
+              <a:ext cx="3092222" cy="923328"/>
+            </a:xfrm>
+            <a:prstGeom prst="rect">
+              <a:avLst/>
+            </a:prstGeom>
+            <a:noFill/>
+            <a:ln w="25400" cap="flat">
+              <a:noFill/>
+              <a:miter lim="400000"/>
+            </a:ln>
+            <a:effectLst/>
+            <a:extLst>
+              <a:ext uri="{C572A759-6A51-4108-AA02-DFA0A04FC94B}">
+                <ma14:wrappingTextBoxFlag xmlns="" xmlns:m="http://schemas.openxmlformats.org/officeDocument/2006/math" xmlns:a14="http://schemas.microsoft.com/office/drawing/2010/main" xmlns:ma14="http://schemas.microsoft.com/office/mac/drawingml/2011/main" val="1"/>
+              </a:ext>
+            </a:extLst>
+          </p:spPr>
+          <p:txBody>
+            <a:bodyPr wrap="square" lIns="91439" tIns="91439" rIns="91439" bIns="91439" numCol="1" anchor="ctr">
+              <a:spAutoFit/>
+            </a:bodyPr>
+            <a:lstStyle>
+              <a:lvl1pPr algn="ctr">
+                <a:defRPr sz="4800"/>
+              </a:lvl1pPr>
+            </a:lstStyle>
+            <a:p>
+              <a:r>
+                <a:rPr lang="en-US" dirty="0"/>
+                <a:t>The SUT</a:t>
+              </a:r>
+              <a:endParaRPr dirty="0"/>
+            </a:p>
+          </p:txBody>
+        </p:sp>
+      </p:grpSp>
+      <p:grpSp>
+        <p:nvGrpSpPr>
+          <p:cNvPr id="278" name="Smiley Face 6"/>
+          <p:cNvGrpSpPr/>
+          <p:nvPr/>
+        </p:nvGrpSpPr>
+        <p:grpSpPr>
+          <a:xfrm>
+            <a:off x="3534661" y="4610252"/>
+            <a:ext cx="1828801" cy="1828801"/>
+            <a:chOff x="0" y="0"/>
+            <a:chExt cx="1828800" cy="1828800"/>
+          </a:xfrm>
+        </p:grpSpPr>
+        <p:sp>
+          <p:nvSpPr>
+            <p:cNvPr id="275" name="Circle"/>
+            <p:cNvSpPr/>
+            <p:nvPr/>
+          </p:nvSpPr>
+          <p:spPr>
+            <a:xfrm>
+              <a:off x="0" y="0"/>
+              <a:ext cx="1828800" cy="1828800"/>
+            </a:xfrm>
+            <a:prstGeom prst="ellipse">
+              <a:avLst/>
+            </a:prstGeom>
+            <a:solidFill>
+              <a:srgbClr val="FBE5D6"/>
+            </a:solidFill>
+            <a:ln w="12700" cap="flat">
+              <a:noFill/>
+              <a:miter lim="400000"/>
+            </a:ln>
+            <a:effectLst/>
+          </p:spPr>
+          <p:txBody>
+            <a:bodyPr wrap="square" lIns="91439" tIns="91439" rIns="91439" bIns="91439" numCol="1" anchor="ctr">
+              <a:noAutofit/>
+            </a:bodyPr>
+            <a:lstStyle/>
+            <a:p>
+              <a:endParaRPr/>
+            </a:p>
+          </p:txBody>
+        </p:sp>
+        <p:sp>
+          <p:nvSpPr>
+            <p:cNvPr id="276" name="Shape"/>
+            <p:cNvSpPr/>
+            <p:nvPr/>
+          </p:nvSpPr>
+          <p:spPr>
+            <a:xfrm>
+              <a:off x="526204" y="545675"/>
+              <a:ext cx="776393" cy="190501"/>
+            </a:xfrm>
+            <a:custGeom>
+              <a:avLst/>
+              <a:gdLst/>
+              <a:ahLst/>
+              <a:cxnLst>
+                <a:cxn ang="0">
+                  <a:pos x="wd2" y="hd2"/>
+                </a:cxn>
+                <a:cxn ang="5400000">
+                  <a:pos x="wd2" y="hd2"/>
+                </a:cxn>
+                <a:cxn ang="10800000">
+                  <a:pos x="wd2" y="hd2"/>
+                </a:cxn>
+                <a:cxn ang="16200000">
+                  <a:pos x="wd2" y="hd2"/>
+                </a:cxn>
+              </a:cxnLst>
+              <a:rect l="0" t="0" r="r" b="b"/>
+              <a:pathLst>
+                <a:path w="21600" h="21600" extrusionOk="0">
+                  <a:moveTo>
+                    <a:pt x="0" y="10800"/>
+                  </a:moveTo>
+                  <a:cubicBezTo>
+                    <a:pt x="0" y="4835"/>
+                    <a:pt x="1186" y="0"/>
+                    <a:pt x="2650" y="0"/>
+                  </a:cubicBezTo>
+                  <a:cubicBezTo>
+                    <a:pt x="4113" y="0"/>
+                    <a:pt x="5300" y="4835"/>
+                    <a:pt x="5300" y="10800"/>
+                  </a:cubicBezTo>
+                  <a:cubicBezTo>
+                    <a:pt x="5300" y="16765"/>
+                    <a:pt x="4113" y="21600"/>
+                    <a:pt x="2650" y="21600"/>
+                  </a:cubicBezTo>
+                  <a:cubicBezTo>
+                    <a:pt x="1186" y="21600"/>
+                    <a:pt x="0" y="16765"/>
+                    <a:pt x="0" y="10800"/>
+                  </a:cubicBezTo>
+                  <a:moveTo>
+                    <a:pt x="16300" y="10800"/>
+                  </a:moveTo>
+                  <a:cubicBezTo>
+                    <a:pt x="16300" y="4835"/>
+                    <a:pt x="17487" y="0"/>
+                    <a:pt x="18950" y="0"/>
+                  </a:cubicBezTo>
+                  <a:cubicBezTo>
+                    <a:pt x="20414" y="0"/>
+                    <a:pt x="21600" y="4835"/>
+                    <a:pt x="21600" y="10800"/>
+                  </a:cubicBezTo>
+                  <a:cubicBezTo>
+                    <a:pt x="21600" y="16765"/>
+                    <a:pt x="20414" y="21600"/>
+                    <a:pt x="18950" y="21600"/>
+                  </a:cubicBezTo>
+                  <a:cubicBezTo>
+                    <a:pt x="17487" y="21600"/>
+                    <a:pt x="16300" y="16765"/>
+                    <a:pt x="16300" y="10800"/>
+                  </a:cubicBezTo>
+                </a:path>
+              </a:pathLst>
+            </a:custGeom>
+            <a:solidFill>
+              <a:srgbClr val="000000">
+                <a:alpha val="20000"/>
+              </a:srgbClr>
+            </a:solidFill>
+            <a:ln w="12700" cap="flat">
+              <a:noFill/>
+              <a:miter lim="400000"/>
+            </a:ln>
+            <a:effectLst/>
+          </p:spPr>
+          <p:txBody>
+            <a:bodyPr wrap="square" lIns="91439" tIns="91439" rIns="91439" bIns="91439" numCol="1" anchor="ctr">
+              <a:noAutofit/>
+            </a:bodyPr>
+            <a:lstStyle/>
+            <a:p>
+              <a:endParaRPr/>
+            </a:p>
+          </p:txBody>
+        </p:sp>
+        <p:sp>
+          <p:nvSpPr>
+            <p:cNvPr id="277" name="Shape"/>
+            <p:cNvSpPr/>
+            <p:nvPr/>
+          </p:nvSpPr>
+          <p:spPr>
+            <a:xfrm>
+              <a:off x="0" y="0"/>
+              <a:ext cx="1828800" cy="1828800"/>
+            </a:xfrm>
+            <a:custGeom>
+              <a:avLst/>
+              <a:gdLst/>
+              <a:ahLst/>
+              <a:cxnLst>
+                <a:cxn ang="0">
+                  <a:pos x="wd2" y="hd2"/>
+                </a:cxn>
+                <a:cxn ang="5400000">
+                  <a:pos x="wd2" y="hd2"/>
+                </a:cxn>
+                <a:cxn ang="10800000">
+                  <a:pos x="wd2" y="hd2"/>
+                </a:cxn>
+                <a:cxn ang="16200000">
+                  <a:pos x="wd2" y="hd2"/>
+                </a:cxn>
+              </a:cxnLst>
+              <a:rect l="0" t="0" r="r" b="b"/>
+              <a:pathLst>
+                <a:path w="21600" h="21600" extrusionOk="0">
+                  <a:moveTo>
+                    <a:pt x="6215" y="7570"/>
+                  </a:moveTo>
+                  <a:cubicBezTo>
+                    <a:pt x="6215" y="6949"/>
+                    <a:pt x="6719" y="6445"/>
+                    <a:pt x="7340" y="6445"/>
+                  </a:cubicBezTo>
+                  <a:cubicBezTo>
+                    <a:pt x="7961" y="6445"/>
+                    <a:pt x="8465" y="6949"/>
+                    <a:pt x="8465" y="7570"/>
+                  </a:cubicBezTo>
+                  <a:cubicBezTo>
+                    <a:pt x="8465" y="8191"/>
+                    <a:pt x="7961" y="8695"/>
+                    <a:pt x="7340" y="8695"/>
+                  </a:cubicBezTo>
+                  <a:cubicBezTo>
+                    <a:pt x="6719" y="8695"/>
+                    <a:pt x="6215" y="8191"/>
+                    <a:pt x="6215" y="7570"/>
+                  </a:cubicBezTo>
+                  <a:moveTo>
+                    <a:pt x="13135" y="7570"/>
+                  </a:moveTo>
+                  <a:cubicBezTo>
+                    <a:pt x="13135" y="6949"/>
+                    <a:pt x="13639" y="6445"/>
+                    <a:pt x="14260" y="6445"/>
+                  </a:cubicBezTo>
+                  <a:cubicBezTo>
+                    <a:pt x="14881" y="6445"/>
+                    <a:pt x="15385" y="6949"/>
+                    <a:pt x="15385" y="7570"/>
+                  </a:cubicBezTo>
+                  <a:cubicBezTo>
+                    <a:pt x="15385" y="8191"/>
+                    <a:pt x="14881" y="8695"/>
+                    <a:pt x="14260" y="8695"/>
+                  </a:cubicBezTo>
+                  <a:cubicBezTo>
+                    <a:pt x="13639" y="8695"/>
+                    <a:pt x="13135" y="8191"/>
+                    <a:pt x="13135" y="7570"/>
+                  </a:cubicBezTo>
+                  <a:moveTo>
+                    <a:pt x="4946" y="15510"/>
+                  </a:moveTo>
+                  <a:cubicBezTo>
+                    <a:pt x="8849" y="18190"/>
+                    <a:pt x="12747" y="18190"/>
+                    <a:pt x="16640" y="15510"/>
+                  </a:cubicBezTo>
+                  <a:moveTo>
+                    <a:pt x="0" y="10800"/>
+                  </a:moveTo>
+                  <a:cubicBezTo>
+                    <a:pt x="0" y="4835"/>
+                    <a:pt x="4835" y="0"/>
+                    <a:pt x="10800" y="0"/>
+                  </a:cubicBezTo>
+                  <a:cubicBezTo>
+                    <a:pt x="16765" y="0"/>
+                    <a:pt x="21600" y="4835"/>
+                    <a:pt x="21600" y="10800"/>
+                  </a:cubicBezTo>
+                  <a:cubicBezTo>
+                    <a:pt x="21600" y="16765"/>
+                    <a:pt x="16765" y="21600"/>
+                    <a:pt x="10800" y="21600"/>
+                  </a:cubicBezTo>
+                  <a:cubicBezTo>
+                    <a:pt x="4835" y="21600"/>
+                    <a:pt x="0" y="16765"/>
+                    <a:pt x="0" y="10800"/>
+                  </a:cubicBezTo>
+                  <a:close/>
+                </a:path>
+              </a:pathLst>
+            </a:custGeom>
+            <a:noFill/>
+            <a:ln w="25400" cap="flat">
+              <a:solidFill>
+                <a:srgbClr val="0070C0"/>
+              </a:solidFill>
+              <a:prstDash val="solid"/>
+              <a:miter lim="800000"/>
+            </a:ln>
+            <a:effectLst/>
+          </p:spPr>
+          <p:txBody>
+            <a:bodyPr wrap="square" lIns="91439" tIns="91439" rIns="91439" bIns="91439" numCol="1" anchor="ctr">
+              <a:noAutofit/>
+            </a:bodyPr>
+            <a:lstStyle/>
+            <a:p>
+              <a:endParaRPr/>
+            </a:p>
+          </p:txBody>
+        </p:sp>
+      </p:grpSp>
+      <p:sp>
+        <p:nvSpPr>
+          <p:cNvPr id="285" name="Straight Arrow Connector 8"/>
+          <p:cNvSpPr/>
+          <p:nvPr/>
+        </p:nvSpPr>
+        <p:spPr>
+          <a:xfrm flipV="1">
+            <a:off x="13109265" y="5427125"/>
+            <a:ext cx="4392656" cy="45719"/>
+          </a:xfrm>
+          <a:custGeom>
+            <a:avLst/>
+            <a:gdLst/>
+            <a:ahLst/>
+            <a:cxnLst>
+              <a:cxn ang="0">
+                <a:pos x="wd2" y="hd2"/>
+              </a:cxn>
+              <a:cxn ang="5400000">
+                <a:pos x="wd2" y="hd2"/>
+              </a:cxn>
+              <a:cxn ang="10800000">
+                <a:pos x="wd2" y="hd2"/>
+              </a:cxn>
+              <a:cxn ang="16200000">
+                <a:pos x="wd2" y="hd2"/>
+              </a:cxn>
+            </a:cxnLst>
+            <a:rect l="0" t="0" r="r" b="b"/>
+            <a:pathLst>
+              <a:path w="21600" h="21600" extrusionOk="0">
+                <a:moveTo>
+                  <a:pt x="0" y="0"/>
+                </a:moveTo>
+                <a:lnTo>
+                  <a:pt x="21600" y="21600"/>
+                </a:lnTo>
+              </a:path>
+            </a:pathLst>
+          </a:custGeom>
+          <a:ln w="127000">
+            <a:solidFill>
+              <a:schemeClr val="accent1"/>
+            </a:solidFill>
+            <a:miter/>
+            <a:headEnd type="triangle"/>
+            <a:tailEnd type="triangle"/>
+          </a:ln>
+        </p:spPr>
+        <p:txBody>
+          <a:bodyPr/>
+          <a:lstStyle/>
+          <a:p>
+            <a:endParaRPr/>
+          </a:p>
+        </p:txBody>
+      </p:sp>
+      <p:sp>
+        <p:nvSpPr>
+          <p:cNvPr id="280" name="Straight Arrow Connector 10"/>
+          <p:cNvSpPr/>
+          <p:nvPr/>
+        </p:nvSpPr>
+        <p:spPr>
+          <a:xfrm flipH="1">
+            <a:off x="11244650" y="7297271"/>
+            <a:ext cx="23116" cy="1830344"/>
+          </a:xfrm>
+          <a:prstGeom prst="line">
+            <a:avLst/>
+          </a:prstGeom>
+          <a:ln w="127000">
+            <a:solidFill>
+              <a:schemeClr val="accent1"/>
+            </a:solidFill>
+            <a:miter/>
+            <a:headEnd type="triangle"/>
+            <a:tailEnd type="triangle"/>
+          </a:ln>
+        </p:spPr>
+        <p:txBody>
+          <a:bodyPr tIns="91439" bIns="91439"/>
+          <a:lstStyle/>
+          <a:p>
+            <a:endParaRPr/>
+          </a:p>
+        </p:txBody>
+      </p:sp>
+      <p:sp>
+        <p:nvSpPr>
+          <p:cNvPr id="281" name="Straight Arrow Connector 13"/>
+          <p:cNvSpPr/>
+          <p:nvPr/>
+        </p:nvSpPr>
+        <p:spPr>
+          <a:xfrm flipV="1">
+            <a:off x="5376162" y="5432170"/>
+            <a:ext cx="4062806" cy="40673"/>
+          </a:xfrm>
+          <a:prstGeom prst="line">
+            <a:avLst/>
+          </a:prstGeom>
+          <a:ln w="127000">
+            <a:solidFill>
+              <a:schemeClr val="accent1"/>
+            </a:solidFill>
+            <a:miter/>
+            <a:headEnd type="triangle"/>
+            <a:tailEnd type="triangle"/>
+          </a:ln>
+        </p:spPr>
+        <p:txBody>
+          <a:bodyPr tIns="91439" bIns="91439"/>
+          <a:lstStyle/>
+          <a:p>
+            <a:endParaRPr/>
+          </a:p>
+        </p:txBody>
+      </p:sp>
+      <p:sp>
+        <p:nvSpPr>
+          <p:cNvPr id="2" name="Database">
+            <a:extLst>
+              <a:ext uri="{FF2B5EF4-FFF2-40B4-BE49-F238E27FC236}">
+                <a16:creationId xmlns:a16="http://schemas.microsoft.com/office/drawing/2014/main" id="{4DC5E0D8-FE48-87BB-09A4-F2031F162AB6}"/>
+              </a:ext>
+            </a:extLst>
+          </p:cNvPr>
+          <p:cNvSpPr txBox="1"/>
+          <p:nvPr/>
+        </p:nvSpPr>
+        <p:spPr>
+          <a:xfrm>
+            <a:off x="2501391" y="6892327"/>
+            <a:ext cx="3751924" cy="923328"/>
+          </a:xfrm>
+          <a:prstGeom prst="rect">
+            <a:avLst/>
+          </a:prstGeom>
+          <a:noFill/>
+          <a:ln w="25400" cap="flat">
+            <a:noFill/>
+            <a:miter lim="400000"/>
+          </a:ln>
+          <a:effectLst/>
+          <a:extLst>
+            <a:ext uri="{C572A759-6A51-4108-AA02-DFA0A04FC94B}">
+              <ma14:wrappingTextBoxFlag xmlns="" xmlns:m="http://schemas.openxmlformats.org/officeDocument/2006/math" xmlns:a14="http://schemas.microsoft.com/office/drawing/2010/main" xmlns:ma14="http://schemas.microsoft.com/office/mac/drawingml/2011/main" val="1"/>
+            </a:ext>
+          </a:extLst>
+        </p:spPr>
+        <p:txBody>
+          <a:bodyPr wrap="square" lIns="91439" tIns="91439" rIns="91439" bIns="91439" numCol="1" anchor="ctr">
+            <a:spAutoFit/>
+          </a:bodyPr>
+          <a:lstStyle>
+            <a:lvl1pPr>
+              <a:defRPr sz="4800"/>
+            </a:lvl1pPr>
+          </a:lstStyle>
+          <a:p>
+            <a:r>
+              <a:rPr dirty="0"/>
+              <a:t>   </a:t>
+            </a:r>
+            <a:r>
+              <a:rPr lang="en-US" dirty="0"/>
+              <a:t>Human User</a:t>
+            </a:r>
+            <a:endParaRPr dirty="0"/>
+          </a:p>
+        </p:txBody>
+      </p:sp>
+    </p:spTree>
+    <p:extLst>
+      <p:ext uri="{BB962C8B-B14F-4D97-AF65-F5344CB8AC3E}">
+        <p14:creationId xmlns:p14="http://schemas.microsoft.com/office/powerpoint/2010/main" val="3095459657"/>
+      </p:ext>
+    </p:extLst>
+  </p:cSld>
+  <p:clrMapOvr>
+    <a:masterClrMapping/>
+  </p:clrMapOvr>
+  <p:transition spd="med"/>
+</p:sld>
+</file>
+
+<file path=ppt/slides/slide13.xml><?xml version="1.0" encoding="utf-8"?>
+<p:sld xmlns:a="http://schemas.openxmlformats.org/drawingml/2006/main" xmlns:r="http://schemas.openxmlformats.org/officeDocument/2006/relationships" xmlns:p="http://schemas.openxmlformats.org/presentationml/2006/main">
+  <p:cSld>
+    <p:spTree>
+      <p:nvGrpSpPr>
+        <p:cNvPr id="1" name=""/>
+        <p:cNvGrpSpPr/>
+        <p:nvPr/>
+      </p:nvGrpSpPr>
+      <p:grpSpPr>
+        <a:xfrm>
+          <a:off x="0" y="0"/>
+          <a:ext cx="0" cy="0"/>
+          <a:chOff x="0" y="0"/>
+          <a:chExt cx="0" cy="0"/>
+        </a:xfrm>
+      </p:grpSpPr>
+      <p:sp>
+        <p:nvSpPr>
+          <p:cNvPr id="254" name="Freeform 26"/>
+          <p:cNvSpPr/>
+          <p:nvPr/>
+        </p:nvSpPr>
+        <p:spPr>
+          <a:xfrm>
+            <a:off x="2890683" y="3097161"/>
+            <a:ext cx="5596967" cy="6793764"/>
+          </a:xfrm>
+          <a:custGeom>
+            <a:avLst/>
+            <a:gdLst/>
+            <a:ahLst/>
+            <a:cxnLst>
+              <a:cxn ang="0">
+                <a:pos x="wd2" y="hd2"/>
+              </a:cxn>
+              <a:cxn ang="5400000">
+                <a:pos x="wd2" y="hd2"/>
+              </a:cxn>
+              <a:cxn ang="10800000">
+                <a:pos x="wd2" y="hd2"/>
+              </a:cxn>
+              <a:cxn ang="16200000">
+                <a:pos x="wd2" y="hd2"/>
+              </a:cxn>
+            </a:cxnLst>
+            <a:rect l="0" t="0" r="r" b="b"/>
+            <a:pathLst>
+              <a:path w="20893" h="21490" extrusionOk="0">
+                <a:moveTo>
+                  <a:pt x="0" y="0"/>
+                </a:moveTo>
+                <a:cubicBezTo>
+                  <a:pt x="4872" y="327"/>
+                  <a:pt x="9745" y="653"/>
+                  <a:pt x="12993" y="1400"/>
+                </a:cubicBezTo>
+                <a:cubicBezTo>
+                  <a:pt x="16241" y="2146"/>
+                  <a:pt x="18297" y="2581"/>
+                  <a:pt x="19490" y="4479"/>
+                </a:cubicBezTo>
+                <a:cubicBezTo>
+                  <a:pt x="20682" y="6376"/>
+                  <a:pt x="21600" y="10170"/>
+                  <a:pt x="20150" y="12783"/>
+                </a:cubicBezTo>
+                <a:cubicBezTo>
+                  <a:pt x="18700" y="15395"/>
+                  <a:pt x="14112" y="18708"/>
+                  <a:pt x="10791" y="20154"/>
+                </a:cubicBezTo>
+                <a:cubicBezTo>
+                  <a:pt x="7469" y="21600"/>
+                  <a:pt x="3845" y="21530"/>
+                  <a:pt x="220" y="21460"/>
+                </a:cubicBezTo>
+              </a:path>
+            </a:pathLst>
+          </a:custGeom>
+          <a:blipFill>
+            <a:blip r:embed="rId3"/>
+          </a:blipFill>
+          <a:ln w="25400">
+            <a:solidFill>
+              <a:srgbClr val="0070C0"/>
+            </a:solidFill>
+            <a:prstDash val="dash"/>
+            <a:miter/>
+          </a:ln>
+        </p:spPr>
+        <p:txBody>
+          <a:bodyPr tIns="91439" bIns="91439" anchor="ctr"/>
+          <a:lstStyle/>
+          <a:p>
+            <a:pPr algn="ctr">
+              <a:defRPr>
+                <a:solidFill>
+                  <a:srgbClr val="FFFFFF"/>
+                </a:solidFill>
+              </a:defRPr>
+            </a:pPr>
+            <a:endParaRPr/>
+          </a:p>
+        </p:txBody>
+      </p:sp>
+      <p:sp>
+        <p:nvSpPr>
+          <p:cNvPr id="255" name="Freeform 23"/>
+          <p:cNvSpPr/>
+          <p:nvPr/>
+        </p:nvSpPr>
+        <p:spPr>
+          <a:xfrm>
+            <a:off x="6253315" y="7583815"/>
+            <a:ext cx="10235381" cy="5807722"/>
+          </a:xfrm>
+          <a:custGeom>
+            <a:avLst/>
+            <a:gdLst/>
+            <a:ahLst/>
+            <a:cxnLst>
+              <a:cxn ang="0">
+                <a:pos x="wd2" y="hd2"/>
+              </a:cxn>
+              <a:cxn ang="5400000">
+                <a:pos x="wd2" y="hd2"/>
+              </a:cxn>
+              <a:cxn ang="10800000">
+                <a:pos x="wd2" y="hd2"/>
+              </a:cxn>
+              <a:cxn ang="16200000">
+                <a:pos x="wd2" y="hd2"/>
+              </a:cxn>
+            </a:cxnLst>
+            <a:rect l="0" t="0" r="r" b="b"/>
+            <a:pathLst>
+              <a:path w="21600" h="21159" extrusionOk="0">
+                <a:moveTo>
+                  <a:pt x="0" y="20837"/>
+                </a:moveTo>
+                <a:cubicBezTo>
+                  <a:pt x="1261" y="16995"/>
+                  <a:pt x="2521" y="13153"/>
+                  <a:pt x="3673" y="9875"/>
+                </a:cubicBezTo>
+                <a:cubicBezTo>
+                  <a:pt x="4824" y="6598"/>
+                  <a:pt x="5198" y="2640"/>
+                  <a:pt x="6910" y="1171"/>
+                </a:cubicBezTo>
+                <a:cubicBezTo>
+                  <a:pt x="8621" y="-298"/>
+                  <a:pt x="12024" y="-441"/>
+                  <a:pt x="13944" y="1063"/>
+                </a:cubicBezTo>
+                <a:cubicBezTo>
+                  <a:pt x="15863" y="2568"/>
+                  <a:pt x="17149" y="6849"/>
+                  <a:pt x="18425" y="10198"/>
+                </a:cubicBezTo>
+                <a:cubicBezTo>
+                  <a:pt x="19701" y="13547"/>
+                  <a:pt x="20651" y="17353"/>
+                  <a:pt x="21600" y="21159"/>
+                </a:cubicBezTo>
+              </a:path>
+            </a:pathLst>
+          </a:custGeom>
+          <a:blipFill>
+            <a:blip r:embed="rId3"/>
+          </a:blipFill>
+          <a:ln w="25400">
+            <a:solidFill>
+              <a:srgbClr val="0070C0"/>
+            </a:solidFill>
+            <a:prstDash val="dash"/>
+            <a:miter/>
+          </a:ln>
+        </p:spPr>
+        <p:txBody>
+          <a:bodyPr tIns="91439" bIns="91439" anchor="ctr"/>
+          <a:lstStyle/>
+          <a:p>
+            <a:pPr algn="ctr">
+              <a:defRPr>
+                <a:solidFill>
+                  <a:srgbClr val="FFFFFF"/>
+                </a:solidFill>
+              </a:defRPr>
+            </a:pPr>
+            <a:endParaRPr/>
+          </a:p>
+        </p:txBody>
+      </p:sp>
+      <p:grpSp>
+        <p:nvGrpSpPr>
+          <p:cNvPr id="258" name="Freeform 21"/>
+          <p:cNvGrpSpPr/>
+          <p:nvPr/>
+        </p:nvGrpSpPr>
+        <p:grpSpPr>
+          <a:xfrm>
+            <a:off x="14026953" y="3067663"/>
+            <a:ext cx="9776944" cy="7020233"/>
+            <a:chOff x="0" y="0"/>
+            <a:chExt cx="9776942" cy="7020231"/>
+          </a:xfrm>
+        </p:grpSpPr>
+        <p:sp>
+          <p:nvSpPr>
+            <p:cNvPr id="256" name="Line"/>
+            <p:cNvSpPr/>
+            <p:nvPr/>
+          </p:nvSpPr>
+          <p:spPr>
+            <a:xfrm>
+              <a:off x="-1" y="0"/>
+              <a:ext cx="9776943" cy="7020232"/>
+            </a:xfrm>
+            <a:custGeom>
+              <a:avLst/>
+              <a:gdLst/>
+              <a:ahLst/>
+              <a:cxnLst>
+                <a:cxn ang="0">
+                  <a:pos x="wd2" y="hd2"/>
+                </a:cxn>
+                <a:cxn ang="5400000">
+                  <a:pos x="wd2" y="hd2"/>
+                </a:cxn>
+                <a:cxn ang="10800000">
+                  <a:pos x="wd2" y="hd2"/>
+                </a:cxn>
+                <a:cxn ang="16200000">
+                  <a:pos x="wd2" y="hd2"/>
+                </a:cxn>
+              </a:cxnLst>
+              <a:rect l="0" t="0" r="r" b="b"/>
+              <a:pathLst>
+                <a:path w="21276" h="21600" extrusionOk="0">
+                  <a:moveTo>
+                    <a:pt x="15948" y="0"/>
+                  </a:moveTo>
+                  <a:cubicBezTo>
+                    <a:pt x="11792" y="38"/>
+                    <a:pt x="7636" y="76"/>
+                    <a:pt x="5100" y="726"/>
+                  </a:cubicBezTo>
+                  <a:cubicBezTo>
+                    <a:pt x="2565" y="1376"/>
+                    <a:pt x="1505" y="1951"/>
+                    <a:pt x="735" y="3903"/>
+                  </a:cubicBezTo>
+                  <a:cubicBezTo>
+                    <a:pt x="-35" y="5854"/>
+                    <a:pt x="-324" y="10165"/>
+                    <a:pt x="478" y="12434"/>
+                  </a:cubicBezTo>
+                  <a:cubicBezTo>
+                    <a:pt x="1281" y="14703"/>
+                    <a:pt x="2950" y="16185"/>
+                    <a:pt x="5549" y="17516"/>
+                  </a:cubicBezTo>
+                  <a:cubicBezTo>
+                    <a:pt x="8149" y="18847"/>
+                    <a:pt x="13455" y="19739"/>
+                    <a:pt x="16077" y="20420"/>
+                  </a:cubicBezTo>
+                  <a:cubicBezTo>
+                    <a:pt x="18698" y="21101"/>
+                    <a:pt x="19987" y="21350"/>
+                    <a:pt x="21276" y="21600"/>
+                  </a:cubicBezTo>
+                </a:path>
+              </a:pathLst>
+            </a:custGeom>
+            <a:blipFill rotWithShape="1">
+              <a:blip r:embed="rId3"/>
+              <a:srcRect/>
+              <a:tile tx="0" ty="0" sx="100000" sy="100000" flip="none" algn="tl"/>
+            </a:blipFill>
+            <a:ln w="25400" cap="flat">
+              <a:solidFill>
+                <a:srgbClr val="0070C0"/>
+              </a:solidFill>
+              <a:prstDash val="dash"/>
+              <a:miter lim="800000"/>
+            </a:ln>
+            <a:effectLst/>
+          </p:spPr>
+          <p:txBody>
+            <a:bodyPr wrap="square" lIns="91439" tIns="91439" rIns="91439" bIns="91439" numCol="1" anchor="ctr">
+              <a:noAutofit/>
+            </a:bodyPr>
+            <a:lstStyle/>
+            <a:p>
+              <a:pPr algn="ctr">
+                <a:defRPr>
+                  <a:solidFill>
+                    <a:srgbClr val="FFFFFF"/>
+                  </a:solidFill>
+                </a:defRPr>
+              </a:pPr>
+              <a:endParaRPr/>
+            </a:p>
+          </p:txBody>
+        </p:sp>
+        <p:sp>
+          <p:nvSpPr>
+            <p:cNvPr id="257" name="Mo"/>
+            <p:cNvSpPr txBox="1"/>
+            <p:nvPr/>
+          </p:nvSpPr>
+          <p:spPr>
+            <a:xfrm>
+              <a:off x="104140" y="3189728"/>
+              <a:ext cx="9568662" cy="640776"/>
+            </a:xfrm>
+            <a:prstGeom prst="rect">
+              <a:avLst/>
+            </a:prstGeom>
+            <a:noFill/>
+            <a:ln w="25400" cap="flat">
+              <a:noFill/>
+              <a:miter lim="400000"/>
+            </a:ln>
+            <a:effectLst/>
+            <a:extLst>
+              <a:ext uri="{C572A759-6A51-4108-AA02-DFA0A04FC94B}">
+                <ma14:wrappingTextBoxFlag xmlns:ma14="http://schemas.microsoft.com/office/mac/drawingml/2011/main" xmlns:a14="http://schemas.microsoft.com/office/drawing/2010/main" xmlns:m="http://schemas.openxmlformats.org/officeDocument/2006/math" xmlns="" val="1"/>
+              </a:ext>
+            </a:extLst>
+          </p:spPr>
+          <p:txBody>
+            <a:bodyPr wrap="square" lIns="91439" tIns="91439" rIns="91439" bIns="91439" numCol="1" anchor="ctr">
+              <a:spAutoFit/>
+            </a:bodyPr>
+            <a:lstStyle>
+              <a:lvl1pPr algn="ctr">
+                <a:defRPr>
+                  <a:solidFill>
+                    <a:srgbClr val="FFFFFF"/>
+                  </a:solidFill>
+                </a:defRPr>
+              </a:lvl1pPr>
+            </a:lstStyle>
+            <a:p>
+              <a:r>
+                <a:t>Mo</a:t>
+              </a:r>
+            </a:p>
+          </p:txBody>
+        </p:sp>
+      </p:grpSp>
+      <p:sp>
+        <p:nvSpPr>
+          <p:cNvPr id="259" name="Title 1"/>
+          <p:cNvSpPr txBox="1">
+            <a:spLocks noGrp="1"/>
+          </p:cNvSpPr>
+          <p:nvPr>
+            <p:ph type="title"/>
+          </p:nvPr>
+        </p:nvSpPr>
+        <p:spPr>
+          <a:xfrm>
+            <a:off x="1676400" y="0"/>
+            <a:ext cx="21031200" cy="2651126"/>
+          </a:xfrm>
+          <a:prstGeom prst="rect">
+            <a:avLst/>
+          </a:prstGeom>
+        </p:spPr>
+        <p:txBody>
+          <a:bodyPr>
+            <a:normAutofit/>
+          </a:bodyPr>
+          <a:lstStyle>
+            <a:lvl1pPr defTabSz="1737360">
+              <a:defRPr sz="8360"/>
+            </a:lvl1pPr>
+          </a:lstStyle>
+          <a:p>
+            <a:r>
+              <a:rPr lang="en-US" dirty="0"/>
+              <a:t>Test doubles replace uncontrollable things with things that you do control </a:t>
+            </a:r>
+            <a:endParaRPr dirty="0"/>
+          </a:p>
+        </p:txBody>
+      </p:sp>
+      <p:sp>
+        <p:nvSpPr>
+          <p:cNvPr id="260" name="Slide Number Placeholder 2"/>
+          <p:cNvSpPr txBox="1">
+            <a:spLocks noGrp="1"/>
+          </p:cNvSpPr>
+          <p:nvPr>
+            <p:ph type="sldNum" sz="quarter" idx="2"/>
+          </p:nvPr>
+        </p:nvSpPr>
+        <p:spPr>
+          <a:xfrm>
+            <a:off x="22203052" y="12835870"/>
+            <a:ext cx="504548" cy="483910"/>
+          </a:xfrm>
+          <a:prstGeom prst="rect">
+            <a:avLst/>
+          </a:prstGeom>
+          <a:extLst>
+            <a:ext uri="{C572A759-6A51-4108-AA02-DFA0A04FC94B}">
+              <ma14:wrappingTextBoxFlag xmlns:ma14="http://schemas.microsoft.com/office/mac/drawingml/2011/main" xmlns:a14="http://schemas.microsoft.com/office/drawing/2010/main" xmlns:m="http://schemas.openxmlformats.org/officeDocument/2006/math" xmlns="" val="1"/>
+            </a:ext>
+          </a:extLst>
+        </p:spPr>
+        <p:txBody>
+          <a:bodyPr/>
+          <a:lstStyle/>
+          <a:p>
+            <a:fld id="{86CB4B4D-7CA3-9044-876B-883B54F8677D}" type="slidenum">
+              <a:rPr/>
+              <a:t>13</a:t>
+            </a:fld>
+            <a:endParaRPr/>
+          </a:p>
+        </p:txBody>
+      </p:sp>
+      <p:grpSp>
+        <p:nvGrpSpPr>
+          <p:cNvPr id="265" name="Cloud 3"/>
+          <p:cNvGrpSpPr/>
+          <p:nvPr/>
+        </p:nvGrpSpPr>
+        <p:grpSpPr>
+          <a:xfrm>
+            <a:off x="17501921" y="3692298"/>
+            <a:ext cx="4701131" cy="3664707"/>
+            <a:chOff x="0" y="0"/>
+            <a:chExt cx="4701130" cy="3664706"/>
+          </a:xfrm>
+        </p:grpSpPr>
+        <p:grpSp>
+          <p:nvGrpSpPr>
+            <p:cNvPr id="263" name="Group"/>
+            <p:cNvGrpSpPr/>
+            <p:nvPr/>
+          </p:nvGrpSpPr>
+          <p:grpSpPr>
+            <a:xfrm>
+              <a:off x="0" y="-1"/>
+              <a:ext cx="4701131" cy="3664708"/>
+              <a:chOff x="0" y="0"/>
+              <a:chExt cx="4701130" cy="3664706"/>
+            </a:xfrm>
+          </p:grpSpPr>
+          <p:sp>
+            <p:nvSpPr>
+              <p:cNvPr id="261" name="Shape"/>
+              <p:cNvSpPr/>
+              <p:nvPr/>
+            </p:nvSpPr>
+            <p:spPr>
+              <a:xfrm>
+                <a:off x="0" y="-1"/>
+                <a:ext cx="4701131" cy="3664708"/>
+              </a:xfrm>
+              <a:custGeom>
+                <a:avLst/>
+                <a:gdLst/>
+                <a:ahLst/>
+                <a:cxnLst>
+                  <a:cxn ang="0">
+                    <a:pos x="wd2" y="hd2"/>
+                  </a:cxn>
+                  <a:cxn ang="5400000">
+                    <a:pos x="wd2" y="hd2"/>
+                  </a:cxn>
+                  <a:cxn ang="10800000">
+                    <a:pos x="wd2" y="hd2"/>
+                  </a:cxn>
+                  <a:cxn ang="16200000">
+                    <a:pos x="wd2" y="hd2"/>
+                  </a:cxn>
+                </a:cxnLst>
+                <a:rect l="0" t="0" r="r" b="b"/>
+                <a:pathLst>
+                  <a:path w="20879" h="20684" extrusionOk="0">
+                    <a:moveTo>
+                      <a:pt x="1901" y="6800"/>
+                    </a:moveTo>
+                    <a:lnTo>
+                      <a:pt x="1901" y="6800"/>
+                    </a:lnTo>
+                    <a:cubicBezTo>
+                      <a:pt x="1658" y="4397"/>
+                      <a:pt x="2907" y="2184"/>
+                      <a:pt x="4691" y="1857"/>
+                    </a:cubicBezTo>
+                    <a:cubicBezTo>
+                      <a:pt x="5414" y="1724"/>
+                      <a:pt x="6149" y="1922"/>
+                      <a:pt x="6778" y="2419"/>
+                    </a:cubicBezTo>
+                    <a:cubicBezTo>
+                      <a:pt x="7445" y="725"/>
+                      <a:pt x="9003" y="82"/>
+                      <a:pt x="10259" y="981"/>
+                    </a:cubicBezTo>
+                    <a:cubicBezTo>
+                      <a:pt x="10478" y="1139"/>
+                      <a:pt x="10680" y="1338"/>
+                      <a:pt x="10857" y="1573"/>
+                    </a:cubicBezTo>
+                    <a:lnTo>
+                      <a:pt x="10857" y="1573"/>
+                    </a:lnTo>
+                    <a:cubicBezTo>
+                      <a:pt x="11377" y="169"/>
+                      <a:pt x="12642" y="-401"/>
+                      <a:pt x="13683" y="299"/>
+                    </a:cubicBezTo>
+                    <a:cubicBezTo>
+                      <a:pt x="13971" y="493"/>
+                      <a:pt x="14223" y="774"/>
+                      <a:pt x="14418" y="1119"/>
+                    </a:cubicBezTo>
+                    <a:cubicBezTo>
+                      <a:pt x="15255" y="-209"/>
+                      <a:pt x="16734" y="-373"/>
+                      <a:pt x="17722" y="753"/>
+                    </a:cubicBezTo>
+                    <a:cubicBezTo>
+                      <a:pt x="18137" y="1226"/>
+                      <a:pt x="18417" y="1878"/>
+                      <a:pt x="18513" y="2598"/>
+                    </a:cubicBezTo>
+                    <a:lnTo>
+                      <a:pt x="18513" y="2598"/>
+                    </a:lnTo>
+                    <a:cubicBezTo>
+                      <a:pt x="19885" y="3102"/>
+                      <a:pt x="20694" y="5013"/>
+                      <a:pt x="20321" y="6865"/>
+                    </a:cubicBezTo>
+                    <a:cubicBezTo>
+                      <a:pt x="20289" y="7020"/>
+                      <a:pt x="20250" y="7173"/>
+                      <a:pt x="20203" y="7321"/>
+                    </a:cubicBezTo>
+                    <a:cubicBezTo>
+                      <a:pt x="21303" y="9251"/>
+                      <a:pt x="21034" y="12017"/>
+                      <a:pt x="19601" y="13499"/>
+                    </a:cubicBezTo>
+                    <a:cubicBezTo>
+                      <a:pt x="19156" y="13961"/>
+                      <a:pt x="18629" y="14259"/>
+                      <a:pt x="18072" y="14367"/>
+                    </a:cubicBezTo>
+                    <a:cubicBezTo>
+                      <a:pt x="18072" y="16443"/>
+                      <a:pt x="16822" y="18126"/>
+                      <a:pt x="15280" y="18126"/>
+                    </a:cubicBezTo>
+                    <a:cubicBezTo>
+                      <a:pt x="14757" y="18126"/>
+                      <a:pt x="14245" y="17928"/>
+                      <a:pt x="13801" y="17556"/>
+                    </a:cubicBezTo>
+                    <a:cubicBezTo>
+                      <a:pt x="13280" y="19883"/>
+                      <a:pt x="11460" y="21199"/>
+                      <a:pt x="9738" y="20494"/>
+                    </a:cubicBezTo>
+                    <a:cubicBezTo>
+                      <a:pt x="9016" y="20199"/>
+                      <a:pt x="8392" y="19574"/>
+                      <a:pt x="7973" y="18727"/>
+                    </a:cubicBezTo>
+                    <a:cubicBezTo>
+                      <a:pt x="6209" y="20160"/>
+                      <a:pt x="3920" y="19389"/>
+                      <a:pt x="2859" y="17004"/>
+                    </a:cubicBezTo>
+                    <a:cubicBezTo>
+                      <a:pt x="2846" y="16974"/>
+                      <a:pt x="2833" y="16944"/>
+                      <a:pt x="2820" y="16914"/>
+                    </a:cubicBezTo>
+                    <a:lnTo>
+                      <a:pt x="2820" y="16914"/>
+                    </a:lnTo>
+                    <a:cubicBezTo>
+                      <a:pt x="1666" y="17096"/>
+                      <a:pt x="620" y="15986"/>
+                      <a:pt x="485" y="14435"/>
+                    </a:cubicBezTo>
+                    <a:cubicBezTo>
+                      <a:pt x="412" y="13608"/>
+                      <a:pt x="615" y="12780"/>
+                      <a:pt x="1038" y="12172"/>
+                    </a:cubicBezTo>
+                    <a:lnTo>
+                      <a:pt x="1038" y="12172"/>
+                    </a:lnTo>
+                    <a:cubicBezTo>
+                      <a:pt x="39" y="11379"/>
+                      <a:pt x="-297" y="9639"/>
+                      <a:pt x="288" y="8285"/>
+                    </a:cubicBezTo>
+                    <a:cubicBezTo>
+                      <a:pt x="626" y="7504"/>
+                      <a:pt x="1218" y="6988"/>
+                      <a:pt x="1883" y="6895"/>
+                    </a:cubicBezTo>
+                    <a:close/>
+                  </a:path>
+                </a:pathLst>
+              </a:custGeom>
+              <a:solidFill>
+                <a:srgbClr val="FBE5D6"/>
+              </a:solidFill>
+              <a:ln w="25400" cap="flat">
+                <a:solidFill>
+                  <a:srgbClr val="0070C0"/>
+                </a:solidFill>
+                <a:prstDash val="solid"/>
+                <a:miter lim="800000"/>
+              </a:ln>
+              <a:effectLst/>
+            </p:spPr>
+            <p:txBody>
+              <a:bodyPr wrap="square" lIns="91439" tIns="91439" rIns="91439" bIns="91439" numCol="1" anchor="ctr">
+                <a:noAutofit/>
+              </a:bodyPr>
+              <a:lstStyle/>
+              <a:p>
+                <a:pPr>
+                  <a:defRPr>
+                    <a:solidFill>
+                      <a:srgbClr val="FFFFFF"/>
+                    </a:solidFill>
+                  </a:defRPr>
+                </a:pPr>
+                <a:endParaRPr/>
+              </a:p>
+            </p:txBody>
+          </p:sp>
+          <p:sp>
+            <p:nvSpPr>
+              <p:cNvPr id="262" name="Shape"/>
+              <p:cNvSpPr/>
+              <p:nvPr/>
+            </p:nvSpPr>
+            <p:spPr>
+              <a:xfrm>
+                <a:off x="238713" y="186346"/>
+                <a:ext cx="4307805" cy="3111462"/>
+              </a:xfrm>
+              <a:custGeom>
+                <a:avLst/>
+                <a:gdLst/>
+                <a:ahLst/>
+                <a:cxnLst>
+                  <a:cxn ang="0">
+                    <a:pos x="wd2" y="hd2"/>
+                  </a:cxn>
+                  <a:cxn ang="5400000">
+                    <a:pos x="wd2" y="hd2"/>
+                  </a:cxn>
+                  <a:cxn ang="10800000">
+                    <a:pos x="wd2" y="hd2"/>
+                  </a:cxn>
+                  <a:cxn ang="16200000">
+                    <a:pos x="wd2" y="hd2"/>
+                  </a:cxn>
+                </a:cxnLst>
+                <a:rect l="0" t="0" r="r" b="b"/>
+                <a:pathLst>
+                  <a:path w="21600" h="21600" extrusionOk="0">
+                    <a:moveTo>
+                      <a:pt x="1380" y="14010"/>
+                    </a:moveTo>
+                    <a:cubicBezTo>
+                      <a:pt x="899" y="14066"/>
+                      <a:pt x="417" y="13902"/>
+                      <a:pt x="0" y="13542"/>
+                    </a:cubicBezTo>
+                    <a:moveTo>
+                      <a:pt x="2598" y="19137"/>
+                    </a:moveTo>
+                    <a:cubicBezTo>
+                      <a:pt x="2405" y="19250"/>
+                      <a:pt x="2202" y="19325"/>
+                      <a:pt x="1994" y="19361"/>
+                    </a:cubicBezTo>
+                    <a:moveTo>
+                      <a:pt x="7802" y="21600"/>
+                    </a:moveTo>
+                    <a:lnTo>
+                      <a:pt x="7802" y="21600"/>
+                    </a:lnTo>
+                    <a:cubicBezTo>
+                      <a:pt x="7657" y="21279"/>
+                      <a:pt x="7535" y="20936"/>
+                      <a:pt x="7438" y="20577"/>
+                    </a:cubicBezTo>
+                    <a:moveTo>
+                      <a:pt x="14532" y="19050"/>
+                    </a:moveTo>
+                    <a:cubicBezTo>
+                      <a:pt x="14510" y="19430"/>
+                      <a:pt x="14462" y="19806"/>
+                      <a:pt x="14386" y="20172"/>
+                    </a:cubicBezTo>
+                    <a:moveTo>
+                      <a:pt x="17421" y="12116"/>
+                    </a:moveTo>
+                    <a:cubicBezTo>
+                      <a:pt x="18505" y="12890"/>
+                      <a:pt x="19193" y="14504"/>
+                      <a:pt x="19193" y="16273"/>
+                    </a:cubicBezTo>
+                    <a:moveTo>
+                      <a:pt x="21600" y="7649"/>
+                    </a:moveTo>
+                    <a:cubicBezTo>
+                      <a:pt x="21423" y="8256"/>
+                      <a:pt x="21153" y="8794"/>
+                      <a:pt x="20811" y="9222"/>
+                    </a:cubicBezTo>
+                    <a:moveTo>
+                      <a:pt x="19707" y="1814"/>
+                    </a:moveTo>
+                    <a:cubicBezTo>
+                      <a:pt x="19737" y="2059"/>
+                      <a:pt x="19751" y="2307"/>
+                      <a:pt x="19749" y="2556"/>
+                    </a:cubicBezTo>
+                    <a:moveTo>
+                      <a:pt x="14668" y="947"/>
+                    </a:moveTo>
+                    <a:cubicBezTo>
+                      <a:pt x="14771" y="605"/>
+                      <a:pt x="14907" y="286"/>
+                      <a:pt x="15073" y="0"/>
+                    </a:cubicBezTo>
+                    <a:moveTo>
+                      <a:pt x="10888" y="1399"/>
+                    </a:moveTo>
+                    <a:cubicBezTo>
+                      <a:pt x="10930" y="1115"/>
+                      <a:pt x="10996" y="841"/>
+                      <a:pt x="11084" y="582"/>
+                    </a:cubicBezTo>
+                    <a:moveTo>
+                      <a:pt x="6452" y="1676"/>
+                    </a:moveTo>
+                    <a:cubicBezTo>
+                      <a:pt x="6709" y="1897"/>
+                      <a:pt x="6947" y="2163"/>
+                      <a:pt x="7160" y="2469"/>
+                    </a:cubicBezTo>
+                    <a:moveTo>
+                      <a:pt x="1072" y="7905"/>
+                    </a:moveTo>
+                    <a:lnTo>
+                      <a:pt x="1072" y="7905"/>
+                    </a:lnTo>
+                    <a:cubicBezTo>
+                      <a:pt x="1016" y="7632"/>
+                      <a:pt x="974" y="7353"/>
+                      <a:pt x="948" y="7071"/>
+                    </a:cubicBezTo>
+                  </a:path>
+                </a:pathLst>
+              </a:custGeom>
+              <a:noFill/>
+              <a:ln w="25400" cap="flat">
+                <a:solidFill>
+                  <a:srgbClr val="0070C0"/>
+                </a:solidFill>
+                <a:prstDash val="solid"/>
+                <a:miter lim="800000"/>
+              </a:ln>
+              <a:effectLst/>
+            </p:spPr>
+            <p:txBody>
+              <a:bodyPr wrap="square" lIns="91439" tIns="91439" rIns="91439" bIns="91439" numCol="1" anchor="ctr">
+                <a:noAutofit/>
+              </a:bodyPr>
+              <a:lstStyle/>
+              <a:p>
+                <a:pPr>
+                  <a:defRPr>
+                    <a:solidFill>
+                      <a:srgbClr val="FFFFFF"/>
+                    </a:solidFill>
+                  </a:defRPr>
+                </a:pPr>
+                <a:endParaRPr/>
+              </a:p>
+            </p:txBody>
+          </p:sp>
+        </p:grpSp>
+        <p:sp>
+          <p:nvSpPr>
+            <p:cNvPr id="264" name="Network…"/>
+            <p:cNvSpPr txBox="1"/>
+            <p:nvPr/>
+          </p:nvSpPr>
+          <p:spPr>
+            <a:xfrm>
+              <a:off x="755190" y="958767"/>
+              <a:ext cx="2858625" cy="1546940"/>
+            </a:xfrm>
+            <a:prstGeom prst="rect">
+              <a:avLst/>
+            </a:prstGeom>
+            <a:noFill/>
+            <a:ln w="25400" cap="flat">
+              <a:noFill/>
+              <a:miter lim="400000"/>
+            </a:ln>
+            <a:effectLst/>
+            <a:extLst>
+              <a:ext uri="{C572A759-6A51-4108-AA02-DFA0A04FC94B}">
+                <ma14:wrappingTextBoxFlag xmlns:ma14="http://schemas.microsoft.com/office/mac/drawingml/2011/main" xmlns:a14="http://schemas.microsoft.com/office/drawing/2010/main" xmlns:m="http://schemas.openxmlformats.org/officeDocument/2006/math" xmlns="" val="1"/>
+              </a:ext>
+            </a:extLst>
+          </p:spPr>
+          <p:txBody>
+            <a:bodyPr wrap="square" lIns="91439" tIns="91439" rIns="91439" bIns="91439" numCol="1" anchor="ctr">
+              <a:spAutoFit/>
+            </a:bodyPr>
+            <a:lstStyle/>
+            <a:p>
+              <a:pPr>
+                <a:defRPr sz="4800"/>
+              </a:pPr>
+              <a:r>
+                <a:rPr dirty="0"/>
+                <a:t>Network</a:t>
+              </a:r>
+              <a:endParaRPr dirty="0">
+                <a:solidFill>
+                  <a:srgbClr val="FFFFFF"/>
+                </a:solidFill>
+              </a:endParaRPr>
+            </a:p>
+            <a:p>
+              <a:pPr>
+                <a:defRPr sz="4800"/>
+              </a:pPr>
+              <a:r>
+                <a:rPr dirty="0"/>
+                <a:t>Resources</a:t>
+              </a:r>
+            </a:p>
+          </p:txBody>
+        </p:sp>
+      </p:grpSp>
+      <p:grpSp>
+        <p:nvGrpSpPr>
+          <p:cNvPr id="271" name="Can 4"/>
+          <p:cNvGrpSpPr/>
+          <p:nvPr/>
+        </p:nvGrpSpPr>
+        <p:grpSpPr>
+          <a:xfrm>
+            <a:off x="9418035" y="8674230"/>
             <a:ext cx="3657601" cy="4864609"/>
             <a:chOff x="0" y="0"/>
             <a:chExt cx="3657600" cy="4864608"/>
@@ -10339,1748 +12081,6 @@
         </p:nvSpPr>
         <p:spPr>
           <a:xfrm flipH="1">
-            <a:off x="11244650" y="7297271"/>
-            <a:ext cx="23116" cy="1830344"/>
-          </a:xfrm>
-          <a:prstGeom prst="line">
-            <a:avLst/>
-          </a:prstGeom>
-          <a:ln w="127000">
-            <a:solidFill>
-              <a:schemeClr val="accent1"/>
-            </a:solidFill>
-            <a:miter/>
-            <a:headEnd type="triangle"/>
-            <a:tailEnd type="triangle"/>
-          </a:ln>
-        </p:spPr>
-        <p:txBody>
-          <a:bodyPr tIns="91439" bIns="91439"/>
-          <a:lstStyle/>
-          <a:p>
-            <a:endParaRPr/>
-          </a:p>
-        </p:txBody>
-      </p:sp>
-      <p:sp>
-        <p:nvSpPr>
-          <p:cNvPr id="281" name="Straight Arrow Connector 13"/>
-          <p:cNvSpPr/>
-          <p:nvPr/>
-        </p:nvSpPr>
-        <p:spPr>
-          <a:xfrm flipV="1">
-            <a:off x="5376162" y="5432170"/>
-            <a:ext cx="4062806" cy="40673"/>
-          </a:xfrm>
-          <a:prstGeom prst="line">
-            <a:avLst/>
-          </a:prstGeom>
-          <a:ln w="127000">
-            <a:solidFill>
-              <a:schemeClr val="accent1"/>
-            </a:solidFill>
-            <a:miter/>
-            <a:headEnd type="triangle"/>
-            <a:tailEnd type="triangle"/>
-          </a:ln>
-        </p:spPr>
-        <p:txBody>
-          <a:bodyPr tIns="91439" bIns="91439"/>
-          <a:lstStyle/>
-          <a:p>
-            <a:endParaRPr/>
-          </a:p>
-        </p:txBody>
-      </p:sp>
-      <p:sp>
-        <p:nvSpPr>
-          <p:cNvPr id="2" name="Database">
-            <a:extLst>
-              <a:ext uri="{FF2B5EF4-FFF2-40B4-BE49-F238E27FC236}">
-                <a16:creationId xmlns:a16="http://schemas.microsoft.com/office/drawing/2014/main" id="{4DC5E0D8-FE48-87BB-09A4-F2031F162AB6}"/>
-              </a:ext>
-            </a:extLst>
-          </p:cNvPr>
-          <p:cNvSpPr txBox="1"/>
-          <p:nvPr/>
-        </p:nvSpPr>
-        <p:spPr>
-          <a:xfrm>
-            <a:off x="2501391" y="6892327"/>
-            <a:ext cx="3751924" cy="923328"/>
-          </a:xfrm>
-          <a:prstGeom prst="rect">
-            <a:avLst/>
-          </a:prstGeom>
-          <a:noFill/>
-          <a:ln w="25400" cap="flat">
-            <a:noFill/>
-            <a:miter lim="400000"/>
-          </a:ln>
-          <a:effectLst/>
-          <a:extLst>
-            <a:ext uri="{C572A759-6A51-4108-AA02-DFA0A04FC94B}">
-              <ma14:wrappingTextBoxFlag xmlns:ma14="http://schemas.microsoft.com/office/mac/drawingml/2011/main" xmlns:a14="http://schemas.microsoft.com/office/drawing/2010/main" xmlns:m="http://schemas.openxmlformats.org/officeDocument/2006/math" xmlns="" val="1"/>
-            </a:ext>
-          </a:extLst>
-        </p:spPr>
-        <p:txBody>
-          <a:bodyPr wrap="square" lIns="91439" tIns="91439" rIns="91439" bIns="91439" numCol="1" anchor="ctr">
-            <a:spAutoFit/>
-          </a:bodyPr>
-          <a:lstStyle>
-            <a:lvl1pPr>
-              <a:defRPr sz="4800"/>
-            </a:lvl1pPr>
-          </a:lstStyle>
-          <a:p>
-            <a:r>
-              <a:rPr dirty="0"/>
-              <a:t>   </a:t>
-            </a:r>
-            <a:r>
-              <a:rPr lang="en-US" dirty="0"/>
-              <a:t>Human User</a:t>
-            </a:r>
-            <a:endParaRPr dirty="0"/>
-          </a:p>
-        </p:txBody>
-      </p:sp>
-    </p:spTree>
-    <p:extLst>
-      <p:ext uri="{BB962C8B-B14F-4D97-AF65-F5344CB8AC3E}">
-        <p14:creationId xmlns:p14="http://schemas.microsoft.com/office/powerpoint/2010/main" val="3095459657"/>
-      </p:ext>
-    </p:extLst>
-  </p:cSld>
-  <p:clrMapOvr>
-    <a:masterClrMapping/>
-  </p:clrMapOvr>
-  <p:transition spd="med"/>
-</p:sld>
-</file>
-
-<file path=ppt/slides/slide13.xml><?xml version="1.0" encoding="utf-8"?>
-<p:sld xmlns:a="http://schemas.openxmlformats.org/drawingml/2006/main" xmlns:r="http://schemas.openxmlformats.org/officeDocument/2006/relationships" xmlns:p="http://schemas.openxmlformats.org/presentationml/2006/main">
-  <p:cSld>
-    <p:spTree>
-      <p:nvGrpSpPr>
-        <p:cNvPr id="1" name=""/>
-        <p:cNvGrpSpPr/>
-        <p:nvPr/>
-      </p:nvGrpSpPr>
-      <p:grpSpPr>
-        <a:xfrm>
-          <a:off x="0" y="0"/>
-          <a:ext cx="0" cy="0"/>
-          <a:chOff x="0" y="0"/>
-          <a:chExt cx="0" cy="0"/>
-        </a:xfrm>
-      </p:grpSpPr>
-      <p:sp>
-        <p:nvSpPr>
-          <p:cNvPr id="254" name="Freeform 26"/>
-          <p:cNvSpPr/>
-          <p:nvPr/>
-        </p:nvSpPr>
-        <p:spPr>
-          <a:xfrm>
-            <a:off x="2890683" y="3097161"/>
-            <a:ext cx="5596967" cy="6793764"/>
-          </a:xfrm>
-          <a:custGeom>
-            <a:avLst/>
-            <a:gdLst/>
-            <a:ahLst/>
-            <a:cxnLst>
-              <a:cxn ang="0">
-                <a:pos x="wd2" y="hd2"/>
-              </a:cxn>
-              <a:cxn ang="5400000">
-                <a:pos x="wd2" y="hd2"/>
-              </a:cxn>
-              <a:cxn ang="10800000">
-                <a:pos x="wd2" y="hd2"/>
-              </a:cxn>
-              <a:cxn ang="16200000">
-                <a:pos x="wd2" y="hd2"/>
-              </a:cxn>
-            </a:cxnLst>
-            <a:rect l="0" t="0" r="r" b="b"/>
-            <a:pathLst>
-              <a:path w="20893" h="21490" extrusionOk="0">
-                <a:moveTo>
-                  <a:pt x="0" y="0"/>
-                </a:moveTo>
-                <a:cubicBezTo>
-                  <a:pt x="4872" y="327"/>
-                  <a:pt x="9745" y="653"/>
-                  <a:pt x="12993" y="1400"/>
-                </a:cubicBezTo>
-                <a:cubicBezTo>
-                  <a:pt x="16241" y="2146"/>
-                  <a:pt x="18297" y="2581"/>
-                  <a:pt x="19490" y="4479"/>
-                </a:cubicBezTo>
-                <a:cubicBezTo>
-                  <a:pt x="20682" y="6376"/>
-                  <a:pt x="21600" y="10170"/>
-                  <a:pt x="20150" y="12783"/>
-                </a:cubicBezTo>
-                <a:cubicBezTo>
-                  <a:pt x="18700" y="15395"/>
-                  <a:pt x="14112" y="18708"/>
-                  <a:pt x="10791" y="20154"/>
-                </a:cubicBezTo>
-                <a:cubicBezTo>
-                  <a:pt x="7469" y="21600"/>
-                  <a:pt x="3845" y="21530"/>
-                  <a:pt x="220" y="21460"/>
-                </a:cubicBezTo>
-              </a:path>
-            </a:pathLst>
-          </a:custGeom>
-          <a:blipFill>
-            <a:blip r:embed="rId3"/>
-          </a:blipFill>
-          <a:ln w="25400">
-            <a:solidFill>
-              <a:srgbClr val="0070C0"/>
-            </a:solidFill>
-            <a:prstDash val="dash"/>
-            <a:miter/>
-          </a:ln>
-        </p:spPr>
-        <p:txBody>
-          <a:bodyPr tIns="91439" bIns="91439" anchor="ctr"/>
-          <a:lstStyle/>
-          <a:p>
-            <a:pPr algn="ctr">
-              <a:defRPr>
-                <a:solidFill>
-                  <a:srgbClr val="FFFFFF"/>
-                </a:solidFill>
-              </a:defRPr>
-            </a:pPr>
-            <a:endParaRPr/>
-          </a:p>
-        </p:txBody>
-      </p:sp>
-      <p:sp>
-        <p:nvSpPr>
-          <p:cNvPr id="255" name="Freeform 23"/>
-          <p:cNvSpPr/>
-          <p:nvPr/>
-        </p:nvSpPr>
-        <p:spPr>
-          <a:xfrm>
-            <a:off x="6253315" y="7583815"/>
-            <a:ext cx="10235381" cy="5807722"/>
-          </a:xfrm>
-          <a:custGeom>
-            <a:avLst/>
-            <a:gdLst/>
-            <a:ahLst/>
-            <a:cxnLst>
-              <a:cxn ang="0">
-                <a:pos x="wd2" y="hd2"/>
-              </a:cxn>
-              <a:cxn ang="5400000">
-                <a:pos x="wd2" y="hd2"/>
-              </a:cxn>
-              <a:cxn ang="10800000">
-                <a:pos x="wd2" y="hd2"/>
-              </a:cxn>
-              <a:cxn ang="16200000">
-                <a:pos x="wd2" y="hd2"/>
-              </a:cxn>
-            </a:cxnLst>
-            <a:rect l="0" t="0" r="r" b="b"/>
-            <a:pathLst>
-              <a:path w="21600" h="21159" extrusionOk="0">
-                <a:moveTo>
-                  <a:pt x="0" y="20837"/>
-                </a:moveTo>
-                <a:cubicBezTo>
-                  <a:pt x="1261" y="16995"/>
-                  <a:pt x="2521" y="13153"/>
-                  <a:pt x="3673" y="9875"/>
-                </a:cubicBezTo>
-                <a:cubicBezTo>
-                  <a:pt x="4824" y="6598"/>
-                  <a:pt x="5198" y="2640"/>
-                  <a:pt x="6910" y="1171"/>
-                </a:cubicBezTo>
-                <a:cubicBezTo>
-                  <a:pt x="8621" y="-298"/>
-                  <a:pt x="12024" y="-441"/>
-                  <a:pt x="13944" y="1063"/>
-                </a:cubicBezTo>
-                <a:cubicBezTo>
-                  <a:pt x="15863" y="2568"/>
-                  <a:pt x="17149" y="6849"/>
-                  <a:pt x="18425" y="10198"/>
-                </a:cubicBezTo>
-                <a:cubicBezTo>
-                  <a:pt x="19701" y="13547"/>
-                  <a:pt x="20651" y="17353"/>
-                  <a:pt x="21600" y="21159"/>
-                </a:cubicBezTo>
-              </a:path>
-            </a:pathLst>
-          </a:custGeom>
-          <a:blipFill>
-            <a:blip r:embed="rId3"/>
-          </a:blipFill>
-          <a:ln w="25400">
-            <a:solidFill>
-              <a:srgbClr val="0070C0"/>
-            </a:solidFill>
-            <a:prstDash val="dash"/>
-            <a:miter/>
-          </a:ln>
-        </p:spPr>
-        <p:txBody>
-          <a:bodyPr tIns="91439" bIns="91439" anchor="ctr"/>
-          <a:lstStyle/>
-          <a:p>
-            <a:pPr algn="ctr">
-              <a:defRPr>
-                <a:solidFill>
-                  <a:srgbClr val="FFFFFF"/>
-                </a:solidFill>
-              </a:defRPr>
-            </a:pPr>
-            <a:endParaRPr/>
-          </a:p>
-        </p:txBody>
-      </p:sp>
-      <p:grpSp>
-        <p:nvGrpSpPr>
-          <p:cNvPr id="258" name="Freeform 21"/>
-          <p:cNvGrpSpPr/>
-          <p:nvPr/>
-        </p:nvGrpSpPr>
-        <p:grpSpPr>
-          <a:xfrm>
-            <a:off x="14026953" y="3067663"/>
-            <a:ext cx="9776944" cy="7020233"/>
-            <a:chOff x="0" y="0"/>
-            <a:chExt cx="9776942" cy="7020231"/>
-          </a:xfrm>
-        </p:grpSpPr>
-        <p:sp>
-          <p:nvSpPr>
-            <p:cNvPr id="256" name="Line"/>
-            <p:cNvSpPr/>
-            <p:nvPr/>
-          </p:nvSpPr>
-          <p:spPr>
-            <a:xfrm>
-              <a:off x="-1" y="0"/>
-              <a:ext cx="9776943" cy="7020232"/>
-            </a:xfrm>
-            <a:custGeom>
-              <a:avLst/>
-              <a:gdLst/>
-              <a:ahLst/>
-              <a:cxnLst>
-                <a:cxn ang="0">
-                  <a:pos x="wd2" y="hd2"/>
-                </a:cxn>
-                <a:cxn ang="5400000">
-                  <a:pos x="wd2" y="hd2"/>
-                </a:cxn>
-                <a:cxn ang="10800000">
-                  <a:pos x="wd2" y="hd2"/>
-                </a:cxn>
-                <a:cxn ang="16200000">
-                  <a:pos x="wd2" y="hd2"/>
-                </a:cxn>
-              </a:cxnLst>
-              <a:rect l="0" t="0" r="r" b="b"/>
-              <a:pathLst>
-                <a:path w="21276" h="21600" extrusionOk="0">
-                  <a:moveTo>
-                    <a:pt x="15948" y="0"/>
-                  </a:moveTo>
-                  <a:cubicBezTo>
-                    <a:pt x="11792" y="38"/>
-                    <a:pt x="7636" y="76"/>
-                    <a:pt x="5100" y="726"/>
-                  </a:cubicBezTo>
-                  <a:cubicBezTo>
-                    <a:pt x="2565" y="1376"/>
-                    <a:pt x="1505" y="1951"/>
-                    <a:pt x="735" y="3903"/>
-                  </a:cubicBezTo>
-                  <a:cubicBezTo>
-                    <a:pt x="-35" y="5854"/>
-                    <a:pt x="-324" y="10165"/>
-                    <a:pt x="478" y="12434"/>
-                  </a:cubicBezTo>
-                  <a:cubicBezTo>
-                    <a:pt x="1281" y="14703"/>
-                    <a:pt x="2950" y="16185"/>
-                    <a:pt x="5549" y="17516"/>
-                  </a:cubicBezTo>
-                  <a:cubicBezTo>
-                    <a:pt x="8149" y="18847"/>
-                    <a:pt x="13455" y="19739"/>
-                    <a:pt x="16077" y="20420"/>
-                  </a:cubicBezTo>
-                  <a:cubicBezTo>
-                    <a:pt x="18698" y="21101"/>
-                    <a:pt x="19987" y="21350"/>
-                    <a:pt x="21276" y="21600"/>
-                  </a:cubicBezTo>
-                </a:path>
-              </a:pathLst>
-            </a:custGeom>
-            <a:blipFill rotWithShape="1">
-              <a:blip r:embed="rId3"/>
-              <a:srcRect/>
-              <a:tile tx="0" ty="0" sx="100000" sy="100000" flip="none" algn="tl"/>
-            </a:blipFill>
-            <a:ln w="25400" cap="flat">
-              <a:solidFill>
-                <a:srgbClr val="0070C0"/>
-              </a:solidFill>
-              <a:prstDash val="dash"/>
-              <a:miter lim="800000"/>
-            </a:ln>
-            <a:effectLst/>
-          </p:spPr>
-          <p:txBody>
-            <a:bodyPr wrap="square" lIns="91439" tIns="91439" rIns="91439" bIns="91439" numCol="1" anchor="ctr">
-              <a:noAutofit/>
-            </a:bodyPr>
-            <a:lstStyle/>
-            <a:p>
-              <a:pPr algn="ctr">
-                <a:defRPr>
-                  <a:solidFill>
-                    <a:srgbClr val="FFFFFF"/>
-                  </a:solidFill>
-                </a:defRPr>
-              </a:pPr>
-              <a:endParaRPr/>
-            </a:p>
-          </p:txBody>
-        </p:sp>
-        <p:sp>
-          <p:nvSpPr>
-            <p:cNvPr id="257" name="Mo"/>
-            <p:cNvSpPr txBox="1"/>
-            <p:nvPr/>
-          </p:nvSpPr>
-          <p:spPr>
-            <a:xfrm>
-              <a:off x="104140" y="3189728"/>
-              <a:ext cx="9568662" cy="640776"/>
-            </a:xfrm>
-            <a:prstGeom prst="rect">
-              <a:avLst/>
-            </a:prstGeom>
-            <a:noFill/>
-            <a:ln w="25400" cap="flat">
-              <a:noFill/>
-              <a:miter lim="400000"/>
-            </a:ln>
-            <a:effectLst/>
-            <a:extLst>
-              <a:ext uri="{C572A759-6A51-4108-AA02-DFA0A04FC94B}">
-                <ma14:wrappingTextBoxFlag xmlns="" xmlns:m="http://schemas.openxmlformats.org/officeDocument/2006/math" xmlns:a14="http://schemas.microsoft.com/office/drawing/2010/main" xmlns:ma14="http://schemas.microsoft.com/office/mac/drawingml/2011/main" val="1"/>
-              </a:ext>
-            </a:extLst>
-          </p:spPr>
-          <p:txBody>
-            <a:bodyPr wrap="square" lIns="91439" tIns="91439" rIns="91439" bIns="91439" numCol="1" anchor="ctr">
-              <a:spAutoFit/>
-            </a:bodyPr>
-            <a:lstStyle>
-              <a:lvl1pPr algn="ctr">
-                <a:defRPr>
-                  <a:solidFill>
-                    <a:srgbClr val="FFFFFF"/>
-                  </a:solidFill>
-                </a:defRPr>
-              </a:lvl1pPr>
-            </a:lstStyle>
-            <a:p>
-              <a:r>
-                <a:t>Mo</a:t>
-              </a:r>
-            </a:p>
-          </p:txBody>
-        </p:sp>
-      </p:grpSp>
-      <p:sp>
-        <p:nvSpPr>
-          <p:cNvPr id="259" name="Title 1"/>
-          <p:cNvSpPr txBox="1">
-            <a:spLocks noGrp="1"/>
-          </p:cNvSpPr>
-          <p:nvPr>
-            <p:ph type="title"/>
-          </p:nvPr>
-        </p:nvSpPr>
-        <p:spPr>
-          <a:xfrm>
-            <a:off x="1676400" y="0"/>
-            <a:ext cx="21031200" cy="2651126"/>
-          </a:xfrm>
-          <a:prstGeom prst="rect">
-            <a:avLst/>
-          </a:prstGeom>
-        </p:spPr>
-        <p:txBody>
-          <a:bodyPr>
-            <a:normAutofit/>
-          </a:bodyPr>
-          <a:lstStyle>
-            <a:lvl1pPr defTabSz="1737360">
-              <a:defRPr sz="8360"/>
-            </a:lvl1pPr>
-          </a:lstStyle>
-          <a:p>
-            <a:r>
-              <a:rPr lang="en-US" dirty="0"/>
-              <a:t>Test doubles replace uncontrollable things with things that you do control </a:t>
-            </a:r>
-            <a:endParaRPr dirty="0"/>
-          </a:p>
-        </p:txBody>
-      </p:sp>
-      <p:sp>
-        <p:nvSpPr>
-          <p:cNvPr id="260" name="Slide Number Placeholder 2"/>
-          <p:cNvSpPr txBox="1">
-            <a:spLocks noGrp="1"/>
-          </p:cNvSpPr>
-          <p:nvPr>
-            <p:ph type="sldNum" sz="quarter" idx="2"/>
-          </p:nvPr>
-        </p:nvSpPr>
-        <p:spPr>
-          <a:xfrm>
-            <a:off x="22203052" y="12835870"/>
-            <a:ext cx="504548" cy="483910"/>
-          </a:xfrm>
-          <a:prstGeom prst="rect">
-            <a:avLst/>
-          </a:prstGeom>
-          <a:extLst>
-            <a:ext uri="{C572A759-6A51-4108-AA02-DFA0A04FC94B}">
-              <ma14:wrappingTextBoxFlag xmlns="" xmlns:m="http://schemas.openxmlformats.org/officeDocument/2006/math" xmlns:a14="http://schemas.microsoft.com/office/drawing/2010/main" xmlns:ma14="http://schemas.microsoft.com/office/mac/drawingml/2011/main" val="1"/>
-            </a:ext>
-          </a:extLst>
-        </p:spPr>
-        <p:txBody>
-          <a:bodyPr/>
-          <a:lstStyle/>
-          <a:p>
-            <a:fld id="{86CB4B4D-7CA3-9044-876B-883B54F8677D}" type="slidenum">
-              <a:rPr/>
-              <a:t>13</a:t>
-            </a:fld>
-            <a:endParaRPr/>
-          </a:p>
-        </p:txBody>
-      </p:sp>
-      <p:grpSp>
-        <p:nvGrpSpPr>
-          <p:cNvPr id="265" name="Cloud 3"/>
-          <p:cNvGrpSpPr/>
-          <p:nvPr/>
-        </p:nvGrpSpPr>
-        <p:grpSpPr>
-          <a:xfrm>
-            <a:off x="17501921" y="3692298"/>
-            <a:ext cx="4701131" cy="3664707"/>
-            <a:chOff x="0" y="0"/>
-            <a:chExt cx="4701130" cy="3664706"/>
-          </a:xfrm>
-        </p:grpSpPr>
-        <p:grpSp>
-          <p:nvGrpSpPr>
-            <p:cNvPr id="263" name="Group"/>
-            <p:cNvGrpSpPr/>
-            <p:nvPr/>
-          </p:nvGrpSpPr>
-          <p:grpSpPr>
-            <a:xfrm>
-              <a:off x="0" y="-1"/>
-              <a:ext cx="4701131" cy="3664708"/>
-              <a:chOff x="0" y="0"/>
-              <a:chExt cx="4701130" cy="3664706"/>
-            </a:xfrm>
-          </p:grpSpPr>
-          <p:sp>
-            <p:nvSpPr>
-              <p:cNvPr id="261" name="Shape"/>
-              <p:cNvSpPr/>
-              <p:nvPr/>
-            </p:nvSpPr>
-            <p:spPr>
-              <a:xfrm>
-                <a:off x="0" y="-1"/>
-                <a:ext cx="4701131" cy="3664708"/>
-              </a:xfrm>
-              <a:custGeom>
-                <a:avLst/>
-                <a:gdLst/>
-                <a:ahLst/>
-                <a:cxnLst>
-                  <a:cxn ang="0">
-                    <a:pos x="wd2" y="hd2"/>
-                  </a:cxn>
-                  <a:cxn ang="5400000">
-                    <a:pos x="wd2" y="hd2"/>
-                  </a:cxn>
-                  <a:cxn ang="10800000">
-                    <a:pos x="wd2" y="hd2"/>
-                  </a:cxn>
-                  <a:cxn ang="16200000">
-                    <a:pos x="wd2" y="hd2"/>
-                  </a:cxn>
-                </a:cxnLst>
-                <a:rect l="0" t="0" r="r" b="b"/>
-                <a:pathLst>
-                  <a:path w="20879" h="20684" extrusionOk="0">
-                    <a:moveTo>
-                      <a:pt x="1901" y="6800"/>
-                    </a:moveTo>
-                    <a:lnTo>
-                      <a:pt x="1901" y="6800"/>
-                    </a:lnTo>
-                    <a:cubicBezTo>
-                      <a:pt x="1658" y="4397"/>
-                      <a:pt x="2907" y="2184"/>
-                      <a:pt x="4691" y="1857"/>
-                    </a:cubicBezTo>
-                    <a:cubicBezTo>
-                      <a:pt x="5414" y="1724"/>
-                      <a:pt x="6149" y="1922"/>
-                      <a:pt x="6778" y="2419"/>
-                    </a:cubicBezTo>
-                    <a:cubicBezTo>
-                      <a:pt x="7445" y="725"/>
-                      <a:pt x="9003" y="82"/>
-                      <a:pt x="10259" y="981"/>
-                    </a:cubicBezTo>
-                    <a:cubicBezTo>
-                      <a:pt x="10478" y="1139"/>
-                      <a:pt x="10680" y="1338"/>
-                      <a:pt x="10857" y="1573"/>
-                    </a:cubicBezTo>
-                    <a:lnTo>
-                      <a:pt x="10857" y="1573"/>
-                    </a:lnTo>
-                    <a:cubicBezTo>
-                      <a:pt x="11377" y="169"/>
-                      <a:pt x="12642" y="-401"/>
-                      <a:pt x="13683" y="299"/>
-                    </a:cubicBezTo>
-                    <a:cubicBezTo>
-                      <a:pt x="13971" y="493"/>
-                      <a:pt x="14223" y="774"/>
-                      <a:pt x="14418" y="1119"/>
-                    </a:cubicBezTo>
-                    <a:cubicBezTo>
-                      <a:pt x="15255" y="-209"/>
-                      <a:pt x="16734" y="-373"/>
-                      <a:pt x="17722" y="753"/>
-                    </a:cubicBezTo>
-                    <a:cubicBezTo>
-                      <a:pt x="18137" y="1226"/>
-                      <a:pt x="18417" y="1878"/>
-                      <a:pt x="18513" y="2598"/>
-                    </a:cubicBezTo>
-                    <a:lnTo>
-                      <a:pt x="18513" y="2598"/>
-                    </a:lnTo>
-                    <a:cubicBezTo>
-                      <a:pt x="19885" y="3102"/>
-                      <a:pt x="20694" y="5013"/>
-                      <a:pt x="20321" y="6865"/>
-                    </a:cubicBezTo>
-                    <a:cubicBezTo>
-                      <a:pt x="20289" y="7020"/>
-                      <a:pt x="20250" y="7173"/>
-                      <a:pt x="20203" y="7321"/>
-                    </a:cubicBezTo>
-                    <a:cubicBezTo>
-                      <a:pt x="21303" y="9251"/>
-                      <a:pt x="21034" y="12017"/>
-                      <a:pt x="19601" y="13499"/>
-                    </a:cubicBezTo>
-                    <a:cubicBezTo>
-                      <a:pt x="19156" y="13961"/>
-                      <a:pt x="18629" y="14259"/>
-                      <a:pt x="18072" y="14367"/>
-                    </a:cubicBezTo>
-                    <a:cubicBezTo>
-                      <a:pt x="18072" y="16443"/>
-                      <a:pt x="16822" y="18126"/>
-                      <a:pt x="15280" y="18126"/>
-                    </a:cubicBezTo>
-                    <a:cubicBezTo>
-                      <a:pt x="14757" y="18126"/>
-                      <a:pt x="14245" y="17928"/>
-                      <a:pt x="13801" y="17556"/>
-                    </a:cubicBezTo>
-                    <a:cubicBezTo>
-                      <a:pt x="13280" y="19883"/>
-                      <a:pt x="11460" y="21199"/>
-                      <a:pt x="9738" y="20494"/>
-                    </a:cubicBezTo>
-                    <a:cubicBezTo>
-                      <a:pt x="9016" y="20199"/>
-                      <a:pt x="8392" y="19574"/>
-                      <a:pt x="7973" y="18727"/>
-                    </a:cubicBezTo>
-                    <a:cubicBezTo>
-                      <a:pt x="6209" y="20160"/>
-                      <a:pt x="3920" y="19389"/>
-                      <a:pt x="2859" y="17004"/>
-                    </a:cubicBezTo>
-                    <a:cubicBezTo>
-                      <a:pt x="2846" y="16974"/>
-                      <a:pt x="2833" y="16944"/>
-                      <a:pt x="2820" y="16914"/>
-                    </a:cubicBezTo>
-                    <a:lnTo>
-                      <a:pt x="2820" y="16914"/>
-                    </a:lnTo>
-                    <a:cubicBezTo>
-                      <a:pt x="1666" y="17096"/>
-                      <a:pt x="620" y="15986"/>
-                      <a:pt x="485" y="14435"/>
-                    </a:cubicBezTo>
-                    <a:cubicBezTo>
-                      <a:pt x="412" y="13608"/>
-                      <a:pt x="615" y="12780"/>
-                      <a:pt x="1038" y="12172"/>
-                    </a:cubicBezTo>
-                    <a:lnTo>
-                      <a:pt x="1038" y="12172"/>
-                    </a:lnTo>
-                    <a:cubicBezTo>
-                      <a:pt x="39" y="11379"/>
-                      <a:pt x="-297" y="9639"/>
-                      <a:pt x="288" y="8285"/>
-                    </a:cubicBezTo>
-                    <a:cubicBezTo>
-                      <a:pt x="626" y="7504"/>
-                      <a:pt x="1218" y="6988"/>
-                      <a:pt x="1883" y="6895"/>
-                    </a:cubicBezTo>
-                    <a:close/>
-                  </a:path>
-                </a:pathLst>
-              </a:custGeom>
-              <a:solidFill>
-                <a:srgbClr val="FBE5D6"/>
-              </a:solidFill>
-              <a:ln w="25400" cap="flat">
-                <a:solidFill>
-                  <a:srgbClr val="0070C0"/>
-                </a:solidFill>
-                <a:prstDash val="solid"/>
-                <a:miter lim="800000"/>
-              </a:ln>
-              <a:effectLst/>
-            </p:spPr>
-            <p:txBody>
-              <a:bodyPr wrap="square" lIns="91439" tIns="91439" rIns="91439" bIns="91439" numCol="1" anchor="ctr">
-                <a:noAutofit/>
-              </a:bodyPr>
-              <a:lstStyle/>
-              <a:p>
-                <a:pPr>
-                  <a:defRPr>
-                    <a:solidFill>
-                      <a:srgbClr val="FFFFFF"/>
-                    </a:solidFill>
-                  </a:defRPr>
-                </a:pPr>
-                <a:endParaRPr/>
-              </a:p>
-            </p:txBody>
-          </p:sp>
-          <p:sp>
-            <p:nvSpPr>
-              <p:cNvPr id="262" name="Shape"/>
-              <p:cNvSpPr/>
-              <p:nvPr/>
-            </p:nvSpPr>
-            <p:spPr>
-              <a:xfrm>
-                <a:off x="238713" y="186346"/>
-                <a:ext cx="4307805" cy="3111462"/>
-              </a:xfrm>
-              <a:custGeom>
-                <a:avLst/>
-                <a:gdLst/>
-                <a:ahLst/>
-                <a:cxnLst>
-                  <a:cxn ang="0">
-                    <a:pos x="wd2" y="hd2"/>
-                  </a:cxn>
-                  <a:cxn ang="5400000">
-                    <a:pos x="wd2" y="hd2"/>
-                  </a:cxn>
-                  <a:cxn ang="10800000">
-                    <a:pos x="wd2" y="hd2"/>
-                  </a:cxn>
-                  <a:cxn ang="16200000">
-                    <a:pos x="wd2" y="hd2"/>
-                  </a:cxn>
-                </a:cxnLst>
-                <a:rect l="0" t="0" r="r" b="b"/>
-                <a:pathLst>
-                  <a:path w="21600" h="21600" extrusionOk="0">
-                    <a:moveTo>
-                      <a:pt x="1380" y="14010"/>
-                    </a:moveTo>
-                    <a:cubicBezTo>
-                      <a:pt x="899" y="14066"/>
-                      <a:pt x="417" y="13902"/>
-                      <a:pt x="0" y="13542"/>
-                    </a:cubicBezTo>
-                    <a:moveTo>
-                      <a:pt x="2598" y="19137"/>
-                    </a:moveTo>
-                    <a:cubicBezTo>
-                      <a:pt x="2405" y="19250"/>
-                      <a:pt x="2202" y="19325"/>
-                      <a:pt x="1994" y="19361"/>
-                    </a:cubicBezTo>
-                    <a:moveTo>
-                      <a:pt x="7802" y="21600"/>
-                    </a:moveTo>
-                    <a:lnTo>
-                      <a:pt x="7802" y="21600"/>
-                    </a:lnTo>
-                    <a:cubicBezTo>
-                      <a:pt x="7657" y="21279"/>
-                      <a:pt x="7535" y="20936"/>
-                      <a:pt x="7438" y="20577"/>
-                    </a:cubicBezTo>
-                    <a:moveTo>
-                      <a:pt x="14532" y="19050"/>
-                    </a:moveTo>
-                    <a:cubicBezTo>
-                      <a:pt x="14510" y="19430"/>
-                      <a:pt x="14462" y="19806"/>
-                      <a:pt x="14386" y="20172"/>
-                    </a:cubicBezTo>
-                    <a:moveTo>
-                      <a:pt x="17421" y="12116"/>
-                    </a:moveTo>
-                    <a:cubicBezTo>
-                      <a:pt x="18505" y="12890"/>
-                      <a:pt x="19193" y="14504"/>
-                      <a:pt x="19193" y="16273"/>
-                    </a:cubicBezTo>
-                    <a:moveTo>
-                      <a:pt x="21600" y="7649"/>
-                    </a:moveTo>
-                    <a:cubicBezTo>
-                      <a:pt x="21423" y="8256"/>
-                      <a:pt x="21153" y="8794"/>
-                      <a:pt x="20811" y="9222"/>
-                    </a:cubicBezTo>
-                    <a:moveTo>
-                      <a:pt x="19707" y="1814"/>
-                    </a:moveTo>
-                    <a:cubicBezTo>
-                      <a:pt x="19737" y="2059"/>
-                      <a:pt x="19751" y="2307"/>
-                      <a:pt x="19749" y="2556"/>
-                    </a:cubicBezTo>
-                    <a:moveTo>
-                      <a:pt x="14668" y="947"/>
-                    </a:moveTo>
-                    <a:cubicBezTo>
-                      <a:pt x="14771" y="605"/>
-                      <a:pt x="14907" y="286"/>
-                      <a:pt x="15073" y="0"/>
-                    </a:cubicBezTo>
-                    <a:moveTo>
-                      <a:pt x="10888" y="1399"/>
-                    </a:moveTo>
-                    <a:cubicBezTo>
-                      <a:pt x="10930" y="1115"/>
-                      <a:pt x="10996" y="841"/>
-                      <a:pt x="11084" y="582"/>
-                    </a:cubicBezTo>
-                    <a:moveTo>
-                      <a:pt x="6452" y="1676"/>
-                    </a:moveTo>
-                    <a:cubicBezTo>
-                      <a:pt x="6709" y="1897"/>
-                      <a:pt x="6947" y="2163"/>
-                      <a:pt x="7160" y="2469"/>
-                    </a:cubicBezTo>
-                    <a:moveTo>
-                      <a:pt x="1072" y="7905"/>
-                    </a:moveTo>
-                    <a:lnTo>
-                      <a:pt x="1072" y="7905"/>
-                    </a:lnTo>
-                    <a:cubicBezTo>
-                      <a:pt x="1016" y="7632"/>
-                      <a:pt x="974" y="7353"/>
-                      <a:pt x="948" y="7071"/>
-                    </a:cubicBezTo>
-                  </a:path>
-                </a:pathLst>
-              </a:custGeom>
-              <a:noFill/>
-              <a:ln w="25400" cap="flat">
-                <a:solidFill>
-                  <a:srgbClr val="0070C0"/>
-                </a:solidFill>
-                <a:prstDash val="solid"/>
-                <a:miter lim="800000"/>
-              </a:ln>
-              <a:effectLst/>
-            </p:spPr>
-            <p:txBody>
-              <a:bodyPr wrap="square" lIns="91439" tIns="91439" rIns="91439" bIns="91439" numCol="1" anchor="ctr">
-                <a:noAutofit/>
-              </a:bodyPr>
-              <a:lstStyle/>
-              <a:p>
-                <a:pPr>
-                  <a:defRPr>
-                    <a:solidFill>
-                      <a:srgbClr val="FFFFFF"/>
-                    </a:solidFill>
-                  </a:defRPr>
-                </a:pPr>
-                <a:endParaRPr/>
-              </a:p>
-            </p:txBody>
-          </p:sp>
-        </p:grpSp>
-        <p:sp>
-          <p:nvSpPr>
-            <p:cNvPr id="264" name="Network…"/>
-            <p:cNvSpPr txBox="1"/>
-            <p:nvPr/>
-          </p:nvSpPr>
-          <p:spPr>
-            <a:xfrm>
-              <a:off x="755190" y="958767"/>
-              <a:ext cx="2858625" cy="1546940"/>
-            </a:xfrm>
-            <a:prstGeom prst="rect">
-              <a:avLst/>
-            </a:prstGeom>
-            <a:noFill/>
-            <a:ln w="25400" cap="flat">
-              <a:noFill/>
-              <a:miter lim="400000"/>
-            </a:ln>
-            <a:effectLst/>
-            <a:extLst>
-              <a:ext uri="{C572A759-6A51-4108-AA02-DFA0A04FC94B}">
-                <ma14:wrappingTextBoxFlag xmlns="" xmlns:m="http://schemas.openxmlformats.org/officeDocument/2006/math" xmlns:a14="http://schemas.microsoft.com/office/drawing/2010/main" xmlns:ma14="http://schemas.microsoft.com/office/mac/drawingml/2011/main" val="1"/>
-              </a:ext>
-            </a:extLst>
-          </p:spPr>
-          <p:txBody>
-            <a:bodyPr wrap="square" lIns="91439" tIns="91439" rIns="91439" bIns="91439" numCol="1" anchor="ctr">
-              <a:spAutoFit/>
-            </a:bodyPr>
-            <a:lstStyle/>
-            <a:p>
-              <a:pPr>
-                <a:defRPr sz="4800"/>
-              </a:pPr>
-              <a:r>
-                <a:rPr dirty="0"/>
-                <a:t>Network</a:t>
-              </a:r>
-              <a:endParaRPr dirty="0">
-                <a:solidFill>
-                  <a:srgbClr val="FFFFFF"/>
-                </a:solidFill>
-              </a:endParaRPr>
-            </a:p>
-            <a:p>
-              <a:pPr>
-                <a:defRPr sz="4800"/>
-              </a:pPr>
-              <a:r>
-                <a:rPr dirty="0"/>
-                <a:t>Resources</a:t>
-              </a:r>
-            </a:p>
-          </p:txBody>
-        </p:sp>
-      </p:grpSp>
-      <p:grpSp>
-        <p:nvGrpSpPr>
-          <p:cNvPr id="271" name="Can 4"/>
-          <p:cNvGrpSpPr/>
-          <p:nvPr/>
-        </p:nvGrpSpPr>
-        <p:grpSpPr>
-          <a:xfrm>
-            <a:off x="9418035" y="8674230"/>
-            <a:ext cx="3657601" cy="4864609"/>
-            <a:chOff x="0" y="0"/>
-            <a:chExt cx="3657600" cy="4864608"/>
-          </a:xfrm>
-        </p:grpSpPr>
-        <p:grpSp>
-          <p:nvGrpSpPr>
-            <p:cNvPr id="269" name="Group"/>
-            <p:cNvGrpSpPr/>
-            <p:nvPr/>
-          </p:nvGrpSpPr>
-          <p:grpSpPr>
-            <a:xfrm>
-              <a:off x="0" y="-1"/>
-              <a:ext cx="3657600" cy="4864610"/>
-              <a:chOff x="0" y="0"/>
-              <a:chExt cx="3657600" cy="4864608"/>
-            </a:xfrm>
-          </p:grpSpPr>
-          <p:sp>
-            <p:nvSpPr>
-              <p:cNvPr id="266" name="Shape"/>
-              <p:cNvSpPr/>
-              <p:nvPr/>
-            </p:nvSpPr>
-            <p:spPr>
-              <a:xfrm>
-                <a:off x="0" y="-1"/>
-                <a:ext cx="3657600" cy="4864610"/>
-              </a:xfrm>
-              <a:custGeom>
-                <a:avLst/>
-                <a:gdLst/>
-                <a:ahLst/>
-                <a:cxnLst>
-                  <a:cxn ang="0">
-                    <a:pos x="wd2" y="hd2"/>
-                  </a:cxn>
-                  <a:cxn ang="5400000">
-                    <a:pos x="wd2" y="hd2"/>
-                  </a:cxn>
-                  <a:cxn ang="10800000">
-                    <a:pos x="wd2" y="hd2"/>
-                  </a:cxn>
-                  <a:cxn ang="16200000">
-                    <a:pos x="wd2" y="hd2"/>
-                  </a:cxn>
-                </a:cxnLst>
-                <a:rect l="0" t="0" r="r" b="b"/>
-                <a:pathLst>
-                  <a:path w="21600" h="21600" extrusionOk="0">
-                    <a:moveTo>
-                      <a:pt x="0" y="2030"/>
-                    </a:moveTo>
-                    <a:cubicBezTo>
-                      <a:pt x="0" y="909"/>
-                      <a:pt x="4835" y="0"/>
-                      <a:pt x="10800" y="0"/>
-                    </a:cubicBezTo>
-                    <a:cubicBezTo>
-                      <a:pt x="16765" y="0"/>
-                      <a:pt x="21600" y="909"/>
-                      <a:pt x="21600" y="2030"/>
-                    </a:cubicBezTo>
-                    <a:lnTo>
-                      <a:pt x="21600" y="19570"/>
-                    </a:lnTo>
-                    <a:cubicBezTo>
-                      <a:pt x="21600" y="20691"/>
-                      <a:pt x="16765" y="21600"/>
-                      <a:pt x="10800" y="21600"/>
-                    </a:cubicBezTo>
-                    <a:cubicBezTo>
-                      <a:pt x="4835" y="21600"/>
-                      <a:pt x="0" y="20691"/>
-                      <a:pt x="0" y="19570"/>
-                    </a:cubicBezTo>
-                    <a:close/>
-                  </a:path>
-                </a:pathLst>
-              </a:custGeom>
-              <a:solidFill>
-                <a:srgbClr val="FBE5D6"/>
-              </a:solidFill>
-              <a:ln w="12700" cap="flat">
-                <a:noFill/>
-                <a:miter lim="400000"/>
-              </a:ln>
-              <a:effectLst/>
-            </p:spPr>
-            <p:txBody>
-              <a:bodyPr wrap="square" lIns="91439" tIns="91439" rIns="91439" bIns="91439" numCol="1" anchor="ctr">
-                <a:noAutofit/>
-              </a:bodyPr>
-              <a:lstStyle/>
-              <a:p>
-                <a:pPr>
-                  <a:defRPr>
-                    <a:solidFill>
-                      <a:srgbClr val="FFFFFF"/>
-                    </a:solidFill>
-                  </a:defRPr>
-                </a:pPr>
-                <a:endParaRPr/>
-              </a:p>
-            </p:txBody>
-          </p:sp>
-          <p:sp>
-            <p:nvSpPr>
-              <p:cNvPr id="267" name="Oval"/>
-              <p:cNvSpPr/>
-              <p:nvPr/>
-            </p:nvSpPr>
-            <p:spPr>
-              <a:xfrm>
-                <a:off x="0" y="-1"/>
-                <a:ext cx="3657600" cy="914401"/>
-              </a:xfrm>
-              <a:prstGeom prst="ellipse">
-                <a:avLst/>
-              </a:prstGeom>
-              <a:solidFill>
-                <a:srgbClr val="FFFFFF">
-                  <a:alpha val="40000"/>
-                </a:srgbClr>
-              </a:solidFill>
-              <a:ln w="12700" cap="flat">
-                <a:noFill/>
-                <a:miter lim="400000"/>
-              </a:ln>
-              <a:effectLst/>
-            </p:spPr>
-            <p:txBody>
-              <a:bodyPr wrap="square" lIns="91439" tIns="91439" rIns="91439" bIns="91439" numCol="1" anchor="ctr">
-                <a:noAutofit/>
-              </a:bodyPr>
-              <a:lstStyle/>
-              <a:p>
-                <a:pPr>
-                  <a:defRPr>
-                    <a:solidFill>
-                      <a:srgbClr val="FFFFFF"/>
-                    </a:solidFill>
-                  </a:defRPr>
-                </a:pPr>
-                <a:endParaRPr/>
-              </a:p>
-            </p:txBody>
-          </p:sp>
-          <p:sp>
-            <p:nvSpPr>
-              <p:cNvPr id="268" name="Line"/>
-              <p:cNvSpPr/>
-              <p:nvPr/>
-            </p:nvSpPr>
-            <p:spPr>
-              <a:xfrm>
-                <a:off x="0" y="-1"/>
-                <a:ext cx="3657600" cy="4864610"/>
-              </a:xfrm>
-              <a:custGeom>
-                <a:avLst/>
-                <a:gdLst/>
-                <a:ahLst/>
-                <a:cxnLst>
-                  <a:cxn ang="0">
-                    <a:pos x="wd2" y="hd2"/>
-                  </a:cxn>
-                  <a:cxn ang="5400000">
-                    <a:pos x="wd2" y="hd2"/>
-                  </a:cxn>
-                  <a:cxn ang="10800000">
-                    <a:pos x="wd2" y="hd2"/>
-                  </a:cxn>
-                  <a:cxn ang="16200000">
-                    <a:pos x="wd2" y="hd2"/>
-                  </a:cxn>
-                </a:cxnLst>
-                <a:rect l="0" t="0" r="r" b="b"/>
-                <a:pathLst>
-                  <a:path w="21600" h="21600" extrusionOk="0">
-                    <a:moveTo>
-                      <a:pt x="21600" y="2030"/>
-                    </a:moveTo>
-                    <a:cubicBezTo>
-                      <a:pt x="21600" y="3151"/>
-                      <a:pt x="16765" y="4060"/>
-                      <a:pt x="10800" y="4060"/>
-                    </a:cubicBezTo>
-                    <a:cubicBezTo>
-                      <a:pt x="4835" y="4060"/>
-                      <a:pt x="0" y="3151"/>
-                      <a:pt x="0" y="2030"/>
-                    </a:cubicBezTo>
-                    <a:cubicBezTo>
-                      <a:pt x="0" y="909"/>
-                      <a:pt x="4835" y="0"/>
-                      <a:pt x="10800" y="0"/>
-                    </a:cubicBezTo>
-                    <a:cubicBezTo>
-                      <a:pt x="16765" y="0"/>
-                      <a:pt x="21600" y="909"/>
-                      <a:pt x="21600" y="2030"/>
-                    </a:cubicBezTo>
-                    <a:lnTo>
-                      <a:pt x="21600" y="19570"/>
-                    </a:lnTo>
-                    <a:cubicBezTo>
-                      <a:pt x="21600" y="20691"/>
-                      <a:pt x="16765" y="21600"/>
-                      <a:pt x="10800" y="21600"/>
-                    </a:cubicBezTo>
-                    <a:cubicBezTo>
-                      <a:pt x="4835" y="21600"/>
-                      <a:pt x="0" y="20691"/>
-                      <a:pt x="0" y="19570"/>
-                    </a:cubicBezTo>
-                    <a:lnTo>
-                      <a:pt x="0" y="2030"/>
-                    </a:lnTo>
-                  </a:path>
-                </a:pathLst>
-              </a:custGeom>
-              <a:noFill/>
-              <a:ln w="25400" cap="flat">
-                <a:solidFill>
-                  <a:srgbClr val="0070C0"/>
-                </a:solidFill>
-                <a:prstDash val="solid"/>
-                <a:miter lim="800000"/>
-              </a:ln>
-              <a:effectLst/>
-            </p:spPr>
-            <p:txBody>
-              <a:bodyPr wrap="square" lIns="91439" tIns="91439" rIns="91439" bIns="91439" numCol="1" anchor="ctr">
-                <a:noAutofit/>
-              </a:bodyPr>
-              <a:lstStyle/>
-              <a:p>
-                <a:pPr>
-                  <a:defRPr>
-                    <a:solidFill>
-                      <a:srgbClr val="FFFFFF"/>
-                    </a:solidFill>
-                  </a:defRPr>
-                </a:pPr>
-                <a:endParaRPr/>
-              </a:p>
-            </p:txBody>
-          </p:sp>
-        </p:grpSp>
-        <p:sp>
-          <p:nvSpPr>
-            <p:cNvPr id="270" name="Database"/>
-            <p:cNvSpPr txBox="1"/>
-            <p:nvPr/>
-          </p:nvSpPr>
-          <p:spPr>
-            <a:xfrm>
-              <a:off x="104139" y="2262084"/>
-              <a:ext cx="3449322" cy="797640"/>
-            </a:xfrm>
-            <a:prstGeom prst="rect">
-              <a:avLst/>
-            </a:prstGeom>
-            <a:noFill/>
-            <a:ln w="25400" cap="flat">
-              <a:noFill/>
-              <a:miter lim="400000"/>
-            </a:ln>
-            <a:effectLst/>
-            <a:extLst>
-              <a:ext uri="{C572A759-6A51-4108-AA02-DFA0A04FC94B}">
-                <ma14:wrappingTextBoxFlag xmlns="" xmlns:m="http://schemas.openxmlformats.org/officeDocument/2006/math" xmlns:a14="http://schemas.microsoft.com/office/drawing/2010/main" xmlns:ma14="http://schemas.microsoft.com/office/mac/drawingml/2011/main" val="1"/>
-              </a:ext>
-            </a:extLst>
-          </p:spPr>
-          <p:txBody>
-            <a:bodyPr wrap="square" lIns="91439" tIns="91439" rIns="91439" bIns="91439" numCol="1" anchor="ctr">
-              <a:spAutoFit/>
-            </a:bodyPr>
-            <a:lstStyle>
-              <a:lvl1pPr>
-                <a:defRPr sz="4800"/>
-              </a:lvl1pPr>
-            </a:lstStyle>
-            <a:p>
-              <a:r>
-                <a:rPr dirty="0"/>
-                <a:t>   Database</a:t>
-              </a:r>
-            </a:p>
-          </p:txBody>
-        </p:sp>
-      </p:grpSp>
-      <p:grpSp>
-        <p:nvGrpSpPr>
-          <p:cNvPr id="274" name="Rounded Rectangle 5"/>
-          <p:cNvGrpSpPr/>
-          <p:nvPr/>
-        </p:nvGrpSpPr>
-        <p:grpSpPr>
-          <a:xfrm>
-            <a:off x="9438965" y="3639672"/>
-            <a:ext cx="3657601" cy="3657601"/>
-            <a:chOff x="0" y="0"/>
-            <a:chExt cx="3657600" cy="3657600"/>
-          </a:xfrm>
-        </p:grpSpPr>
-        <p:sp>
-          <p:nvSpPr>
-            <p:cNvPr id="272" name="Rounded Rectangle"/>
-            <p:cNvSpPr/>
-            <p:nvPr/>
-          </p:nvSpPr>
-          <p:spPr>
-            <a:xfrm>
-              <a:off x="0" y="0"/>
-              <a:ext cx="3657600" cy="3657600"/>
-            </a:xfrm>
-            <a:prstGeom prst="roundRect">
-              <a:avLst>
-                <a:gd name="adj" fmla="val 16667"/>
-              </a:avLst>
-            </a:prstGeom>
-            <a:solidFill>
-              <a:srgbClr val="FBE5D6"/>
-            </a:solidFill>
-            <a:ln w="25400" cap="flat">
-              <a:solidFill>
-                <a:srgbClr val="0070C0"/>
-              </a:solidFill>
-              <a:prstDash val="solid"/>
-              <a:miter lim="800000"/>
-            </a:ln>
-            <a:effectLst/>
-          </p:spPr>
-          <p:txBody>
-            <a:bodyPr wrap="square" lIns="91439" tIns="91439" rIns="91439" bIns="91439" numCol="1" anchor="ctr">
-              <a:noAutofit/>
-            </a:bodyPr>
-            <a:lstStyle/>
-            <a:p>
-              <a:pPr algn="ctr">
-                <a:defRPr>
-                  <a:solidFill>
-                    <a:srgbClr val="FFFFFF"/>
-                  </a:solidFill>
-                </a:defRPr>
-              </a:pPr>
-              <a:endParaRPr/>
-            </a:p>
-          </p:txBody>
-        </p:sp>
-        <p:sp>
-          <p:nvSpPr>
-            <p:cNvPr id="273" name="Business Logic"/>
-            <p:cNvSpPr txBox="1"/>
-            <p:nvPr/>
-          </p:nvSpPr>
-          <p:spPr>
-            <a:xfrm>
-              <a:off x="282689" y="1367136"/>
-              <a:ext cx="3092222" cy="923328"/>
-            </a:xfrm>
-            <a:prstGeom prst="rect">
-              <a:avLst/>
-            </a:prstGeom>
-            <a:noFill/>
-            <a:ln w="25400" cap="flat">
-              <a:noFill/>
-              <a:miter lim="400000"/>
-            </a:ln>
-            <a:effectLst/>
-            <a:extLst>
-              <a:ext uri="{C572A759-6A51-4108-AA02-DFA0A04FC94B}">
-                <ma14:wrappingTextBoxFlag xmlns="" xmlns:m="http://schemas.openxmlformats.org/officeDocument/2006/math" xmlns:a14="http://schemas.microsoft.com/office/drawing/2010/main" xmlns:ma14="http://schemas.microsoft.com/office/mac/drawingml/2011/main" val="1"/>
-              </a:ext>
-            </a:extLst>
-          </p:spPr>
-          <p:txBody>
-            <a:bodyPr wrap="square" lIns="91439" tIns="91439" rIns="91439" bIns="91439" numCol="1" anchor="ctr">
-              <a:spAutoFit/>
-            </a:bodyPr>
-            <a:lstStyle>
-              <a:lvl1pPr algn="ctr">
-                <a:defRPr sz="4800"/>
-              </a:lvl1pPr>
-            </a:lstStyle>
-            <a:p>
-              <a:r>
-                <a:rPr lang="en-US" dirty="0"/>
-                <a:t>The SUT</a:t>
-              </a:r>
-              <a:endParaRPr dirty="0"/>
-            </a:p>
-          </p:txBody>
-        </p:sp>
-      </p:grpSp>
-      <p:grpSp>
-        <p:nvGrpSpPr>
-          <p:cNvPr id="278" name="Smiley Face 6"/>
-          <p:cNvGrpSpPr/>
-          <p:nvPr/>
-        </p:nvGrpSpPr>
-        <p:grpSpPr>
-          <a:xfrm>
-            <a:off x="3534661" y="4610252"/>
-            <a:ext cx="1828801" cy="1828801"/>
-            <a:chOff x="0" y="0"/>
-            <a:chExt cx="1828800" cy="1828800"/>
-          </a:xfrm>
-        </p:grpSpPr>
-        <p:sp>
-          <p:nvSpPr>
-            <p:cNvPr id="275" name="Circle"/>
-            <p:cNvSpPr/>
-            <p:nvPr/>
-          </p:nvSpPr>
-          <p:spPr>
-            <a:xfrm>
-              <a:off x="0" y="0"/>
-              <a:ext cx="1828800" cy="1828800"/>
-            </a:xfrm>
-            <a:prstGeom prst="ellipse">
-              <a:avLst/>
-            </a:prstGeom>
-            <a:solidFill>
-              <a:srgbClr val="FBE5D6"/>
-            </a:solidFill>
-            <a:ln w="12700" cap="flat">
-              <a:noFill/>
-              <a:miter lim="400000"/>
-            </a:ln>
-            <a:effectLst/>
-          </p:spPr>
-          <p:txBody>
-            <a:bodyPr wrap="square" lIns="91439" tIns="91439" rIns="91439" bIns="91439" numCol="1" anchor="ctr">
-              <a:noAutofit/>
-            </a:bodyPr>
-            <a:lstStyle/>
-            <a:p>
-              <a:endParaRPr/>
-            </a:p>
-          </p:txBody>
-        </p:sp>
-        <p:sp>
-          <p:nvSpPr>
-            <p:cNvPr id="276" name="Shape"/>
-            <p:cNvSpPr/>
-            <p:nvPr/>
-          </p:nvSpPr>
-          <p:spPr>
-            <a:xfrm>
-              <a:off x="526204" y="545675"/>
-              <a:ext cx="776393" cy="190501"/>
-            </a:xfrm>
-            <a:custGeom>
-              <a:avLst/>
-              <a:gdLst/>
-              <a:ahLst/>
-              <a:cxnLst>
-                <a:cxn ang="0">
-                  <a:pos x="wd2" y="hd2"/>
-                </a:cxn>
-                <a:cxn ang="5400000">
-                  <a:pos x="wd2" y="hd2"/>
-                </a:cxn>
-                <a:cxn ang="10800000">
-                  <a:pos x="wd2" y="hd2"/>
-                </a:cxn>
-                <a:cxn ang="16200000">
-                  <a:pos x="wd2" y="hd2"/>
-                </a:cxn>
-              </a:cxnLst>
-              <a:rect l="0" t="0" r="r" b="b"/>
-              <a:pathLst>
-                <a:path w="21600" h="21600" extrusionOk="0">
-                  <a:moveTo>
-                    <a:pt x="0" y="10800"/>
-                  </a:moveTo>
-                  <a:cubicBezTo>
-                    <a:pt x="0" y="4835"/>
-                    <a:pt x="1186" y="0"/>
-                    <a:pt x="2650" y="0"/>
-                  </a:cubicBezTo>
-                  <a:cubicBezTo>
-                    <a:pt x="4113" y="0"/>
-                    <a:pt x="5300" y="4835"/>
-                    <a:pt x="5300" y="10800"/>
-                  </a:cubicBezTo>
-                  <a:cubicBezTo>
-                    <a:pt x="5300" y="16765"/>
-                    <a:pt x="4113" y="21600"/>
-                    <a:pt x="2650" y="21600"/>
-                  </a:cubicBezTo>
-                  <a:cubicBezTo>
-                    <a:pt x="1186" y="21600"/>
-                    <a:pt x="0" y="16765"/>
-                    <a:pt x="0" y="10800"/>
-                  </a:cubicBezTo>
-                  <a:moveTo>
-                    <a:pt x="16300" y="10800"/>
-                  </a:moveTo>
-                  <a:cubicBezTo>
-                    <a:pt x="16300" y="4835"/>
-                    <a:pt x="17487" y="0"/>
-                    <a:pt x="18950" y="0"/>
-                  </a:cubicBezTo>
-                  <a:cubicBezTo>
-                    <a:pt x="20414" y="0"/>
-                    <a:pt x="21600" y="4835"/>
-                    <a:pt x="21600" y="10800"/>
-                  </a:cubicBezTo>
-                  <a:cubicBezTo>
-                    <a:pt x="21600" y="16765"/>
-                    <a:pt x="20414" y="21600"/>
-                    <a:pt x="18950" y="21600"/>
-                  </a:cubicBezTo>
-                  <a:cubicBezTo>
-                    <a:pt x="17487" y="21600"/>
-                    <a:pt x="16300" y="16765"/>
-                    <a:pt x="16300" y="10800"/>
-                  </a:cubicBezTo>
-                </a:path>
-              </a:pathLst>
-            </a:custGeom>
-            <a:solidFill>
-              <a:srgbClr val="000000">
-                <a:alpha val="20000"/>
-              </a:srgbClr>
-            </a:solidFill>
-            <a:ln w="12700" cap="flat">
-              <a:noFill/>
-              <a:miter lim="400000"/>
-            </a:ln>
-            <a:effectLst/>
-          </p:spPr>
-          <p:txBody>
-            <a:bodyPr wrap="square" lIns="91439" tIns="91439" rIns="91439" bIns="91439" numCol="1" anchor="ctr">
-              <a:noAutofit/>
-            </a:bodyPr>
-            <a:lstStyle/>
-            <a:p>
-              <a:endParaRPr/>
-            </a:p>
-          </p:txBody>
-        </p:sp>
-        <p:sp>
-          <p:nvSpPr>
-            <p:cNvPr id="277" name="Shape"/>
-            <p:cNvSpPr/>
-            <p:nvPr/>
-          </p:nvSpPr>
-          <p:spPr>
-            <a:xfrm>
-              <a:off x="0" y="0"/>
-              <a:ext cx="1828800" cy="1828800"/>
-            </a:xfrm>
-            <a:custGeom>
-              <a:avLst/>
-              <a:gdLst/>
-              <a:ahLst/>
-              <a:cxnLst>
-                <a:cxn ang="0">
-                  <a:pos x="wd2" y="hd2"/>
-                </a:cxn>
-                <a:cxn ang="5400000">
-                  <a:pos x="wd2" y="hd2"/>
-                </a:cxn>
-                <a:cxn ang="10800000">
-                  <a:pos x="wd2" y="hd2"/>
-                </a:cxn>
-                <a:cxn ang="16200000">
-                  <a:pos x="wd2" y="hd2"/>
-                </a:cxn>
-              </a:cxnLst>
-              <a:rect l="0" t="0" r="r" b="b"/>
-              <a:pathLst>
-                <a:path w="21600" h="21600" extrusionOk="0">
-                  <a:moveTo>
-                    <a:pt x="6215" y="7570"/>
-                  </a:moveTo>
-                  <a:cubicBezTo>
-                    <a:pt x="6215" y="6949"/>
-                    <a:pt x="6719" y="6445"/>
-                    <a:pt x="7340" y="6445"/>
-                  </a:cubicBezTo>
-                  <a:cubicBezTo>
-                    <a:pt x="7961" y="6445"/>
-                    <a:pt x="8465" y="6949"/>
-                    <a:pt x="8465" y="7570"/>
-                  </a:cubicBezTo>
-                  <a:cubicBezTo>
-                    <a:pt x="8465" y="8191"/>
-                    <a:pt x="7961" y="8695"/>
-                    <a:pt x="7340" y="8695"/>
-                  </a:cubicBezTo>
-                  <a:cubicBezTo>
-                    <a:pt x="6719" y="8695"/>
-                    <a:pt x="6215" y="8191"/>
-                    <a:pt x="6215" y="7570"/>
-                  </a:cubicBezTo>
-                  <a:moveTo>
-                    <a:pt x="13135" y="7570"/>
-                  </a:moveTo>
-                  <a:cubicBezTo>
-                    <a:pt x="13135" y="6949"/>
-                    <a:pt x="13639" y="6445"/>
-                    <a:pt x="14260" y="6445"/>
-                  </a:cubicBezTo>
-                  <a:cubicBezTo>
-                    <a:pt x="14881" y="6445"/>
-                    <a:pt x="15385" y="6949"/>
-                    <a:pt x="15385" y="7570"/>
-                  </a:cubicBezTo>
-                  <a:cubicBezTo>
-                    <a:pt x="15385" y="8191"/>
-                    <a:pt x="14881" y="8695"/>
-                    <a:pt x="14260" y="8695"/>
-                  </a:cubicBezTo>
-                  <a:cubicBezTo>
-                    <a:pt x="13639" y="8695"/>
-                    <a:pt x="13135" y="8191"/>
-                    <a:pt x="13135" y="7570"/>
-                  </a:cubicBezTo>
-                  <a:moveTo>
-                    <a:pt x="4946" y="15510"/>
-                  </a:moveTo>
-                  <a:cubicBezTo>
-                    <a:pt x="8849" y="18190"/>
-                    <a:pt x="12747" y="18190"/>
-                    <a:pt x="16640" y="15510"/>
-                  </a:cubicBezTo>
-                  <a:moveTo>
-                    <a:pt x="0" y="10800"/>
-                  </a:moveTo>
-                  <a:cubicBezTo>
-                    <a:pt x="0" y="4835"/>
-                    <a:pt x="4835" y="0"/>
-                    <a:pt x="10800" y="0"/>
-                  </a:cubicBezTo>
-                  <a:cubicBezTo>
-                    <a:pt x="16765" y="0"/>
-                    <a:pt x="21600" y="4835"/>
-                    <a:pt x="21600" y="10800"/>
-                  </a:cubicBezTo>
-                  <a:cubicBezTo>
-                    <a:pt x="21600" y="16765"/>
-                    <a:pt x="16765" y="21600"/>
-                    <a:pt x="10800" y="21600"/>
-                  </a:cubicBezTo>
-                  <a:cubicBezTo>
-                    <a:pt x="4835" y="21600"/>
-                    <a:pt x="0" y="16765"/>
-                    <a:pt x="0" y="10800"/>
-                  </a:cubicBezTo>
-                  <a:close/>
-                </a:path>
-              </a:pathLst>
-            </a:custGeom>
-            <a:noFill/>
-            <a:ln w="25400" cap="flat">
-              <a:solidFill>
-                <a:srgbClr val="0070C0"/>
-              </a:solidFill>
-              <a:prstDash val="solid"/>
-              <a:miter lim="800000"/>
-            </a:ln>
-            <a:effectLst/>
-          </p:spPr>
-          <p:txBody>
-            <a:bodyPr wrap="square" lIns="91439" tIns="91439" rIns="91439" bIns="91439" numCol="1" anchor="ctr">
-              <a:noAutofit/>
-            </a:bodyPr>
-            <a:lstStyle/>
-            <a:p>
-              <a:endParaRPr/>
-            </a:p>
-          </p:txBody>
-        </p:sp>
-      </p:grpSp>
-      <p:sp>
-        <p:nvSpPr>
-          <p:cNvPr id="285" name="Straight Arrow Connector 8"/>
-          <p:cNvSpPr/>
-          <p:nvPr/>
-        </p:nvSpPr>
-        <p:spPr>
-          <a:xfrm flipV="1">
-            <a:off x="13109265" y="5427125"/>
-            <a:ext cx="4392656" cy="45719"/>
-          </a:xfrm>
-          <a:custGeom>
-            <a:avLst/>
-            <a:gdLst/>
-            <a:ahLst/>
-            <a:cxnLst>
-              <a:cxn ang="0">
-                <a:pos x="wd2" y="hd2"/>
-              </a:cxn>
-              <a:cxn ang="5400000">
-                <a:pos x="wd2" y="hd2"/>
-              </a:cxn>
-              <a:cxn ang="10800000">
-                <a:pos x="wd2" y="hd2"/>
-              </a:cxn>
-              <a:cxn ang="16200000">
-                <a:pos x="wd2" y="hd2"/>
-              </a:cxn>
-            </a:cxnLst>
-            <a:rect l="0" t="0" r="r" b="b"/>
-            <a:pathLst>
-              <a:path w="21600" h="21600" extrusionOk="0">
-                <a:moveTo>
-                  <a:pt x="0" y="0"/>
-                </a:moveTo>
-                <a:lnTo>
-                  <a:pt x="21600" y="21600"/>
-                </a:lnTo>
-              </a:path>
-            </a:pathLst>
-          </a:custGeom>
-          <a:ln w="127000">
-            <a:solidFill>
-              <a:schemeClr val="accent1"/>
-            </a:solidFill>
-            <a:miter/>
-            <a:headEnd type="triangle"/>
-            <a:tailEnd type="triangle"/>
-          </a:ln>
-        </p:spPr>
-        <p:txBody>
-          <a:bodyPr/>
-          <a:lstStyle/>
-          <a:p>
-            <a:endParaRPr/>
-          </a:p>
-        </p:txBody>
-      </p:sp>
-      <p:sp>
-        <p:nvSpPr>
-          <p:cNvPr id="280" name="Straight Arrow Connector 10"/>
-          <p:cNvSpPr/>
-          <p:nvPr/>
-        </p:nvSpPr>
-        <p:spPr>
-          <a:xfrm flipH="1">
             <a:off x="11252200" y="7297271"/>
             <a:ext cx="15565" cy="1872129"/>
           </a:xfrm>
@@ -12163,7 +12163,7 @@
           <a:effectLst/>
           <a:extLst>
             <a:ext uri="{C572A759-6A51-4108-AA02-DFA0A04FC94B}">
-              <ma14:wrappingTextBoxFlag xmlns="" xmlns:m="http://schemas.openxmlformats.org/officeDocument/2006/math" xmlns:a14="http://schemas.microsoft.com/office/drawing/2010/main" xmlns:ma14="http://schemas.microsoft.com/office/mac/drawingml/2011/main" val="1"/>
+              <ma14:wrappingTextBoxFlag xmlns:ma14="http://schemas.microsoft.com/office/mac/drawingml/2011/main" xmlns:a14="http://schemas.microsoft.com/office/drawing/2010/main" xmlns:m="http://schemas.openxmlformats.org/officeDocument/2006/math" xmlns="" val="1"/>
             </a:ext>
           </a:extLst>
         </p:spPr>
@@ -12732,7 +12732,19 @@
             </a:r>
             <a:r>
               <a:rPr dirty="0"/>
-              <a:t> invoke the original method, but record the parameters and call information</a:t>
+              <a:t> invoke the </a:t>
+            </a:r>
+            <a:r>
+              <a:rPr i="1" dirty="0">
+                <a:solidFill>
+                  <a:srgbClr val="FF0000"/>
+                </a:solidFill>
+              </a:rPr>
+              <a:t>original</a:t>
+            </a:r>
+            <a:r>
+              <a:rPr dirty="0"/>
+              <a:t> method, but record the parameters and call information</a:t>
             </a:r>
           </a:p>
           <a:p>
@@ -12748,7 +12760,19 @@
             </a:r>
             <a:r>
               <a:rPr dirty="0"/>
-              <a:t> do not invoke the original method</a:t>
+              <a:t> </a:t>
+            </a:r>
+            <a:r>
+              <a:rPr i="1" dirty="0">
+                <a:solidFill>
+                  <a:srgbClr val="FF0000"/>
+                </a:solidFill>
+              </a:rPr>
+              <a:t>do not</a:t>
+            </a:r>
+            <a:r>
+              <a:rPr dirty="0"/>
+              <a:t> invoke the original method</a:t>
             </a:r>
           </a:p>
           <a:p>
@@ -12785,7 +12809,15 @@
             </a:pPr>
             <a:r>
               <a:rPr dirty="0"/>
-              <a:t> Also can provide a mock implementation to entirely replace the original method</a:t>
+              <a:t> Also</a:t>
+            </a:r>
+            <a:r>
+              <a:rPr lang="en-US" dirty="0"/>
+              <a:t>,</a:t>
+            </a:r>
+            <a:r>
+              <a:rPr dirty="0"/>
+              <a:t> can provide a mock implementation to entirely replace the original method</a:t>
             </a:r>
           </a:p>
           <a:p>
@@ -12854,7 +12886,7 @@
           </a:prstGeom>
           <a:extLst>
             <a:ext uri="{C572A759-6A51-4108-AA02-DFA0A04FC94B}">
-              <ma14:wrappingTextBoxFlag xmlns:ma14="http://schemas.microsoft.com/office/mac/drawingml/2011/main" xmlns:a14="http://schemas.microsoft.com/office/drawing/2010/main" xmlns:m="http://schemas.openxmlformats.org/officeDocument/2006/math" xmlns="" val="1"/>
+              <ma14:wrappingTextBoxFlag xmlns="" xmlns:m="http://schemas.openxmlformats.org/officeDocument/2006/math" xmlns:a14="http://schemas.microsoft.com/office/drawing/2010/main" xmlns:ma14="http://schemas.microsoft.com/office/mac/drawingml/2011/main" val="1"/>
             </a:ext>
           </a:extLst>
         </p:spPr>
@@ -13147,7 +13179,7 @@
           </a:prstGeom>
           <a:extLst>
             <a:ext uri="{C572A759-6A51-4108-AA02-DFA0A04FC94B}">
-              <ma14:wrappingTextBoxFlag xmlns:ma14="http://schemas.microsoft.com/office/mac/drawingml/2011/main" xmlns:a14="http://schemas.microsoft.com/office/drawing/2010/main" xmlns:m="http://schemas.openxmlformats.org/officeDocument/2006/math" xmlns="" val="1"/>
+              <ma14:wrappingTextBoxFlag xmlns="" xmlns:m="http://schemas.openxmlformats.org/officeDocument/2006/math" xmlns:a14="http://schemas.microsoft.com/office/drawing/2010/main" xmlns:ma14="http://schemas.microsoft.com/office/mac/drawingml/2011/main" val="1"/>
             </a:ext>
           </a:extLst>
         </p:spPr>
@@ -13242,7 +13274,7 @@
             <a:effectLst/>
             <a:extLst>
               <a:ext uri="{C572A759-6A51-4108-AA02-DFA0A04FC94B}">
-                <ma14:wrappingTextBoxFlag xmlns:ma14="http://schemas.microsoft.com/office/mac/drawingml/2011/main" xmlns:a14="http://schemas.microsoft.com/office/drawing/2010/main" xmlns:m="http://schemas.openxmlformats.org/officeDocument/2006/math" xmlns="" val="1"/>
+                <ma14:wrappingTextBoxFlag xmlns="" xmlns:m="http://schemas.openxmlformats.org/officeDocument/2006/math" xmlns:a14="http://schemas.microsoft.com/office/drawing/2010/main" xmlns:ma14="http://schemas.microsoft.com/office/mac/drawingml/2011/main" val="1"/>
               </a:ext>
             </a:extLst>
           </p:spPr>
@@ -13633,7 +13665,7 @@
           </a:prstGeom>
           <a:extLst>
             <a:ext uri="{C572A759-6A51-4108-AA02-DFA0A04FC94B}">
-              <ma14:wrappingTextBoxFlag xmlns="" xmlns:m="http://schemas.openxmlformats.org/officeDocument/2006/math" xmlns:a14="http://schemas.microsoft.com/office/drawing/2010/main" xmlns:ma14="http://schemas.microsoft.com/office/mac/drawingml/2011/main" val="1"/>
+              <ma14:wrappingTextBoxFlag xmlns:ma14="http://schemas.microsoft.com/office/mac/drawingml/2011/main" xmlns:a14="http://schemas.microsoft.com/office/drawing/2010/main" xmlns:m="http://schemas.openxmlformats.org/officeDocument/2006/math" xmlns="" val="1"/>
             </a:ext>
           </a:extLst>
         </p:spPr>
@@ -16389,7 +16421,7 @@
           </a:ln>
           <a:extLst>
             <a:ext uri="{C572A759-6A51-4108-AA02-DFA0A04FC94B}">
-              <ma14:wrappingTextBoxFlag xmlns:ma14="http://schemas.microsoft.com/office/mac/drawingml/2011/main" xmlns:a14="http://schemas.microsoft.com/office/drawing/2010/main" xmlns:m="http://schemas.openxmlformats.org/officeDocument/2006/math" xmlns="" val="1"/>
+              <ma14:wrappingTextBoxFlag xmlns="" xmlns:m="http://schemas.openxmlformats.org/officeDocument/2006/math" xmlns:a14="http://schemas.microsoft.com/office/drawing/2010/main" xmlns:ma14="http://schemas.microsoft.com/office/mac/drawingml/2011/main" val="1"/>
             </a:ext>
           </a:extLst>
         </p:spPr>
@@ -17472,7 +17504,7 @@
           </a:prstGeom>
           <a:extLst>
             <a:ext uri="{C572A759-6A51-4108-AA02-DFA0A04FC94B}">
-              <ma14:wrappingTextBoxFlag xmlns:ma14="http://schemas.microsoft.com/office/mac/drawingml/2011/main" xmlns:a14="http://schemas.microsoft.com/office/drawing/2010/main" xmlns:m="http://schemas.openxmlformats.org/officeDocument/2006/math" xmlns="" val="1"/>
+              <ma14:wrappingTextBoxFlag xmlns="" xmlns:m="http://schemas.openxmlformats.org/officeDocument/2006/math" xmlns:a14="http://schemas.microsoft.com/office/drawing/2010/main" xmlns:ma14="http://schemas.microsoft.com/office/mac/drawingml/2011/main" val="1"/>
             </a:ext>
           </a:extLst>
         </p:spPr>
@@ -24575,7 +24607,7 @@
           </a:prstGeom>
           <a:extLst>
             <a:ext uri="{C572A759-6A51-4108-AA02-DFA0A04FC94B}">
-              <ma14:wrappingTextBoxFlag xmlns:ma14="http://schemas.microsoft.com/office/mac/drawingml/2011/main" xmlns:a14="http://schemas.microsoft.com/office/drawing/2010/main" xmlns:m="http://schemas.openxmlformats.org/officeDocument/2006/math" xmlns="" val="1"/>
+              <ma14:wrappingTextBoxFlag xmlns="" xmlns:m="http://schemas.openxmlformats.org/officeDocument/2006/math" xmlns:a14="http://schemas.microsoft.com/office/drawing/2010/main" xmlns:ma14="http://schemas.microsoft.com/office/mac/drawingml/2011/main" val="1"/>
             </a:ext>
           </a:extLst>
         </p:spPr>
